--- a/Գեներատիվ մրցակցող ցանցերի կիրառումը նկարի տեսքով թաքնագրության կրիչ.pptx
+++ b/Գեներատիվ մրցակցող ցանցերի կիրառումը նկարի տեսքով թաքնագրության կրիչ.pptx
@@ -216,7 +216,7 @@
           <a:p>
             <a:fld id="{3DBC1007-0607-42F7-BE54-D81AEE8DB8B8}" type="datetimeFigureOut">
               <a:rPr lang="en-US" smtClean="0"/>
-              <a:t>15/5/2019</a:t>
+              <a:t>16/5/2019</a:t>
             </a:fld>
             <a:endParaRPr lang="en-US"/>
           </a:p>
@@ -669,7 +669,7 @@
           <a:p>
             <a:fld id="{141C0901-7D02-436A-9C09-5ED7950DC55F}" type="datetime1">
               <a:rPr lang="en-US" smtClean="0"/>
-              <a:t>15/5/2019</a:t>
+              <a:t>16/5/2019</a:t>
             </a:fld>
             <a:endParaRPr lang="en-US" dirty="0"/>
           </a:p>
@@ -939,7 +939,7 @@
           <a:p>
             <a:fld id="{EABA21A7-94B5-426A-A166-CE1101D83488}" type="datetime1">
               <a:rPr lang="en-US" smtClean="0"/>
-              <a:t>15/5/2019</a:t>
+              <a:t>16/5/2019</a:t>
             </a:fld>
             <a:endParaRPr lang="en-US" dirty="0"/>
           </a:p>
@@ -1128,7 +1128,7 @@
           <a:p>
             <a:fld id="{00D86E6F-2BDF-477A-B7BA-EDF1E1B57F85}" type="datetime1">
               <a:rPr lang="en-US" smtClean="0"/>
-              <a:t>15/5/2019</a:t>
+              <a:t>16/5/2019</a:t>
             </a:fld>
             <a:endParaRPr lang="en-US" dirty="0"/>
           </a:p>
@@ -1396,7 +1396,7 @@
           <a:p>
             <a:fld id="{06D7BC43-75F9-4DBC-AF7B-164EE9CAE2D8}" type="datetime1">
               <a:rPr lang="en-US" smtClean="0"/>
-              <a:t>15/5/2019</a:t>
+              <a:t>16/5/2019</a:t>
             </a:fld>
             <a:endParaRPr lang="en-US" dirty="0"/>
           </a:p>
@@ -1732,7 +1732,7 @@
           <a:p>
             <a:fld id="{2C049734-2E78-40AC-A849-C9E6C4DA0C41}" type="datetime1">
               <a:rPr lang="en-US" smtClean="0"/>
-              <a:t>15/5/2019</a:t>
+              <a:t>16/5/2019</a:t>
             </a:fld>
             <a:endParaRPr lang="en-US" dirty="0"/>
           </a:p>
@@ -2350,7 +2350,7 @@
           <a:p>
             <a:fld id="{482D0525-C4CB-47B4-8F6B-295DD8F9CB67}" type="datetime1">
               <a:rPr lang="en-US" smtClean="0"/>
-              <a:t>15/5/2019</a:t>
+              <a:t>16/5/2019</a:t>
             </a:fld>
             <a:endParaRPr lang="en-US" dirty="0"/>
           </a:p>
@@ -3205,7 +3205,7 @@
           <a:p>
             <a:fld id="{75CD5FE7-C441-4F19-A1A6-CDB3AD78C65B}" type="datetime1">
               <a:rPr lang="en-US" smtClean="0"/>
-              <a:t>15/5/2019</a:t>
+              <a:t>16/5/2019</a:t>
             </a:fld>
             <a:endParaRPr lang="en-US" dirty="0"/>
           </a:p>
@@ -3370,7 +3370,7 @@
           <a:p>
             <a:fld id="{42848AD2-904D-44EA-96DD-3E2B16FF18CC}" type="datetime1">
               <a:rPr lang="en-US" smtClean="0"/>
-              <a:t>15/5/2019</a:t>
+              <a:t>16/5/2019</a:t>
             </a:fld>
             <a:endParaRPr lang="en-US" dirty="0"/>
           </a:p>
@@ -3545,7 +3545,7 @@
           <a:p>
             <a:fld id="{53FCC0E2-FD3B-4D30-BB93-1B587ED8DD83}" type="datetime1">
               <a:rPr lang="en-US" smtClean="0"/>
-              <a:t>15/5/2019</a:t>
+              <a:t>16/5/2019</a:t>
             </a:fld>
             <a:endParaRPr lang="en-US" dirty="0"/>
           </a:p>
@@ -3710,7 +3710,7 @@
           <a:p>
             <a:fld id="{EA95E8B3-2929-4DAC-9EC3-691BD4BFBB9C}" type="datetime1">
               <a:rPr lang="en-US" smtClean="0"/>
-              <a:t>15/5/2019</a:t>
+              <a:t>16/5/2019</a:t>
             </a:fld>
             <a:endParaRPr lang="en-US" dirty="0"/>
           </a:p>
@@ -3952,7 +3952,7 @@
           <a:p>
             <a:fld id="{C499B246-55F7-44CC-923D-F438E74352D7}" type="datetime1">
               <a:rPr lang="en-US" smtClean="0"/>
-              <a:t>15/5/2019</a:t>
+              <a:t>16/5/2019</a:t>
             </a:fld>
             <a:endParaRPr lang="en-US" dirty="0"/>
           </a:p>
@@ -4239,7 +4239,7 @@
           <a:p>
             <a:fld id="{8A2B7927-82AF-4247-AA2F-522E91273879}" type="datetime1">
               <a:rPr lang="en-US" smtClean="0"/>
-              <a:t>15/5/2019</a:t>
+              <a:t>16/5/2019</a:t>
             </a:fld>
             <a:endParaRPr lang="en-US" dirty="0"/>
           </a:p>
@@ -4678,7 +4678,7 @@
           <a:p>
             <a:fld id="{B7350F39-4241-49B4-88A6-A5458589345E}" type="datetime1">
               <a:rPr lang="en-US" smtClean="0"/>
-              <a:t>15/5/2019</a:t>
+              <a:t>16/5/2019</a:t>
             </a:fld>
             <a:endParaRPr lang="en-US" dirty="0"/>
           </a:p>
@@ -4791,7 +4791,7 @@
           <a:p>
             <a:fld id="{DC4B43BE-DE16-4180-BEE0-B070510C3C31}" type="datetime1">
               <a:rPr lang="en-US" smtClean="0"/>
-              <a:t>15/5/2019</a:t>
+              <a:t>16/5/2019</a:t>
             </a:fld>
             <a:endParaRPr lang="en-US" dirty="0"/>
           </a:p>
@@ -4881,7 +4881,7 @@
           <a:p>
             <a:fld id="{48C956CE-A528-4BE6-9589-CDE6F6E2AFF5}" type="datetime1">
               <a:rPr lang="en-US" smtClean="0"/>
-              <a:t>15/5/2019</a:t>
+              <a:t>16/5/2019</a:t>
             </a:fld>
             <a:endParaRPr lang="en-US" dirty="0"/>
           </a:p>
@@ -5155,7 +5155,7 @@
           <a:p>
             <a:fld id="{9878B8BF-899E-4366-AB7C-9F34BE40CD09}" type="datetime1">
               <a:rPr lang="en-US" smtClean="0"/>
-              <a:t>15/5/2019</a:t>
+              <a:t>16/5/2019</a:t>
             </a:fld>
             <a:endParaRPr lang="en-US" dirty="0"/>
           </a:p>
@@ -5425,7 +5425,7 @@
           <a:p>
             <a:fld id="{19D02C4C-8258-437B-AFF1-6DFF4575AE0E}" type="datetime1">
               <a:rPr lang="en-US" smtClean="0"/>
-              <a:t>15/5/2019</a:t>
+              <a:t>16/5/2019</a:t>
             </a:fld>
             <a:endParaRPr lang="en-US" dirty="0"/>
           </a:p>
@@ -5849,7 +5849,7 @@
           <a:p>
             <a:fld id="{6DD17EC1-3628-49AE-B6CA-091E0E00E894}" type="datetime1">
               <a:rPr lang="en-US" smtClean="0"/>
-              <a:t>15/5/2019</a:t>
+              <a:t>16/5/2019</a:t>
             </a:fld>
             <a:endParaRPr lang="en-US" dirty="0"/>
           </a:p>
@@ -6834,6 +6834,258 @@
   <p:clrMapOvr>
     <a:masterClrMapping/>
   </p:clrMapOvr>
+  <p:timing>
+    <p:tnLst>
+      <p:par>
+        <p:cTn id="1" dur="indefinite" restart="never" nodeType="tmRoot">
+          <p:childTnLst>
+            <p:seq concurrent="1" nextAc="seek">
+              <p:cTn id="2" dur="indefinite" nodeType="mainSeq">
+                <p:childTnLst>
+                  <p:par>
+                    <p:cTn id="3" fill="hold">
+                      <p:stCondLst>
+                        <p:cond delay="indefinite"/>
+                      </p:stCondLst>
+                      <p:childTnLst>
+                        <p:par>
+                          <p:cTn id="4" fill="hold">
+                            <p:stCondLst>
+                              <p:cond delay="0"/>
+                            </p:stCondLst>
+                            <p:childTnLst>
+                              <p:par>
+                                <p:cTn id="5" presetID="1" presetClass="entr" presetSubtype="0" fill="hold" nodeType="clickEffect">
+                                  <p:stCondLst>
+                                    <p:cond delay="0"/>
+                                  </p:stCondLst>
+                                  <p:childTnLst>
+                                    <p:set>
+                                      <p:cBhvr>
+                                        <p:cTn id="6" dur="1" fill="hold">
+                                          <p:stCondLst>
+                                            <p:cond delay="0"/>
+                                          </p:stCondLst>
+                                        </p:cTn>
+                                        <p:tgtEl>
+                                          <p:spTgt spid="3">
+                                            <p:txEl>
+                                              <p:pRg st="3" end="3"/>
+                                            </p:txEl>
+                                          </p:spTgt>
+                                        </p:tgtEl>
+                                        <p:attrNameLst>
+                                          <p:attrName>style.visibility</p:attrName>
+                                        </p:attrNameLst>
+                                      </p:cBhvr>
+                                      <p:to>
+                                        <p:strVal val="visible"/>
+                                      </p:to>
+                                    </p:set>
+                                  </p:childTnLst>
+                                </p:cTn>
+                              </p:par>
+                              <p:par>
+                                <p:cTn id="7" presetID="1" presetClass="entr" presetSubtype="0" fill="hold" nodeType="withEffect">
+                                  <p:stCondLst>
+                                    <p:cond delay="0"/>
+                                  </p:stCondLst>
+                                  <p:childTnLst>
+                                    <p:set>
+                                      <p:cBhvr>
+                                        <p:cTn id="8" dur="1" fill="hold">
+                                          <p:stCondLst>
+                                            <p:cond delay="0"/>
+                                          </p:stCondLst>
+                                        </p:cTn>
+                                        <p:tgtEl>
+                                          <p:spTgt spid="3">
+                                            <p:txEl>
+                                              <p:pRg st="4" end="4"/>
+                                            </p:txEl>
+                                          </p:spTgt>
+                                        </p:tgtEl>
+                                        <p:attrNameLst>
+                                          <p:attrName>style.visibility</p:attrName>
+                                        </p:attrNameLst>
+                                      </p:cBhvr>
+                                      <p:to>
+                                        <p:strVal val="visible"/>
+                                      </p:to>
+                                    </p:set>
+                                  </p:childTnLst>
+                                </p:cTn>
+                              </p:par>
+                              <p:par>
+                                <p:cTn id="9" presetID="1" presetClass="entr" presetSubtype="0" fill="hold" nodeType="withEffect">
+                                  <p:stCondLst>
+                                    <p:cond delay="0"/>
+                                  </p:stCondLst>
+                                  <p:childTnLst>
+                                    <p:set>
+                                      <p:cBhvr>
+                                        <p:cTn id="10" dur="1" fill="hold">
+                                          <p:stCondLst>
+                                            <p:cond delay="0"/>
+                                          </p:stCondLst>
+                                        </p:cTn>
+                                        <p:tgtEl>
+                                          <p:spTgt spid="3">
+                                            <p:txEl>
+                                              <p:pRg st="5" end="5"/>
+                                            </p:txEl>
+                                          </p:spTgt>
+                                        </p:tgtEl>
+                                        <p:attrNameLst>
+                                          <p:attrName>style.visibility</p:attrName>
+                                        </p:attrNameLst>
+                                      </p:cBhvr>
+                                      <p:to>
+                                        <p:strVal val="visible"/>
+                                      </p:to>
+                                    </p:set>
+                                  </p:childTnLst>
+                                </p:cTn>
+                              </p:par>
+                            </p:childTnLst>
+                          </p:cTn>
+                        </p:par>
+                      </p:childTnLst>
+                    </p:cTn>
+                  </p:par>
+                  <p:par>
+                    <p:cTn id="11" fill="hold">
+                      <p:stCondLst>
+                        <p:cond delay="indefinite"/>
+                      </p:stCondLst>
+                      <p:childTnLst>
+                        <p:par>
+                          <p:cTn id="12" fill="hold">
+                            <p:stCondLst>
+                              <p:cond delay="0"/>
+                            </p:stCondLst>
+                            <p:childTnLst>
+                              <p:par>
+                                <p:cTn id="13" presetID="1" presetClass="entr" presetSubtype="0" fill="hold" nodeType="clickEffect">
+                                  <p:stCondLst>
+                                    <p:cond delay="0"/>
+                                  </p:stCondLst>
+                                  <p:childTnLst>
+                                    <p:set>
+                                      <p:cBhvr>
+                                        <p:cTn id="14" dur="1" fill="hold">
+                                          <p:stCondLst>
+                                            <p:cond delay="0"/>
+                                          </p:stCondLst>
+                                        </p:cTn>
+                                        <p:tgtEl>
+                                          <p:spTgt spid="3">
+                                            <p:txEl>
+                                              <p:pRg st="6" end="6"/>
+                                            </p:txEl>
+                                          </p:spTgt>
+                                        </p:tgtEl>
+                                        <p:attrNameLst>
+                                          <p:attrName>style.visibility</p:attrName>
+                                        </p:attrNameLst>
+                                      </p:cBhvr>
+                                      <p:to>
+                                        <p:strVal val="visible"/>
+                                      </p:to>
+                                    </p:set>
+                                  </p:childTnLst>
+                                </p:cTn>
+                              </p:par>
+                              <p:par>
+                                <p:cTn id="15" presetID="1" presetClass="entr" presetSubtype="0" fill="hold" nodeType="withEffect">
+                                  <p:stCondLst>
+                                    <p:cond delay="0"/>
+                                  </p:stCondLst>
+                                  <p:childTnLst>
+                                    <p:set>
+                                      <p:cBhvr>
+                                        <p:cTn id="16" dur="1" fill="hold">
+                                          <p:stCondLst>
+                                            <p:cond delay="0"/>
+                                          </p:stCondLst>
+                                        </p:cTn>
+                                        <p:tgtEl>
+                                          <p:spTgt spid="3">
+                                            <p:txEl>
+                                              <p:pRg st="7" end="7"/>
+                                            </p:txEl>
+                                          </p:spTgt>
+                                        </p:tgtEl>
+                                        <p:attrNameLst>
+                                          <p:attrName>style.visibility</p:attrName>
+                                        </p:attrNameLst>
+                                      </p:cBhvr>
+                                      <p:to>
+                                        <p:strVal val="visible"/>
+                                      </p:to>
+                                    </p:set>
+                                  </p:childTnLst>
+                                </p:cTn>
+                              </p:par>
+                              <p:par>
+                                <p:cTn id="17" presetID="1" presetClass="entr" presetSubtype="0" fill="hold" nodeType="withEffect">
+                                  <p:stCondLst>
+                                    <p:cond delay="0"/>
+                                  </p:stCondLst>
+                                  <p:childTnLst>
+                                    <p:set>
+                                      <p:cBhvr>
+                                        <p:cTn id="18" dur="1" fill="hold">
+                                          <p:stCondLst>
+                                            <p:cond delay="0"/>
+                                          </p:stCondLst>
+                                        </p:cTn>
+                                        <p:tgtEl>
+                                          <p:spTgt spid="3">
+                                            <p:txEl>
+                                              <p:pRg st="8" end="8"/>
+                                            </p:txEl>
+                                          </p:spTgt>
+                                        </p:tgtEl>
+                                        <p:attrNameLst>
+                                          <p:attrName>style.visibility</p:attrName>
+                                        </p:attrNameLst>
+                                      </p:cBhvr>
+                                      <p:to>
+                                        <p:strVal val="visible"/>
+                                      </p:to>
+                                    </p:set>
+                                  </p:childTnLst>
+                                </p:cTn>
+                              </p:par>
+                            </p:childTnLst>
+                          </p:cTn>
+                        </p:par>
+                      </p:childTnLst>
+                    </p:cTn>
+                  </p:par>
+                </p:childTnLst>
+              </p:cTn>
+              <p:prevCondLst>
+                <p:cond evt="onPrev" delay="0">
+                  <p:tgtEl>
+                    <p:sldTgt/>
+                  </p:tgtEl>
+                </p:cond>
+              </p:prevCondLst>
+              <p:nextCondLst>
+                <p:cond evt="onNext" delay="0">
+                  <p:tgtEl>
+                    <p:sldTgt/>
+                  </p:tgtEl>
+                </p:cond>
+              </p:nextCondLst>
+            </p:seq>
+          </p:childTnLst>
+        </p:cTn>
+      </p:par>
+    </p:tnLst>
+  </p:timing>
 </p:sld>
 </file>
 
@@ -6888,8 +7140,8 @@
           </a:p>
         </p:txBody>
       </p:sp>
-      <mc:AlternateContent xmlns:mc="http://schemas.openxmlformats.org/markup-compatibility/2006" xmlns:a14="http://schemas.microsoft.com/office/drawing/2010/main">
-        <mc:Choice Requires="a14">
+      <mc:AlternateContent xmlns:mc="http://schemas.openxmlformats.org/markup-compatibility/2006">
+        <mc:Choice xmlns:a14="http://schemas.microsoft.com/office/drawing/2010/main" Requires="a14">
           <p:sp>
             <p:nvSpPr>
               <p:cNvPr id="5" name="TextBox 4">
@@ -6904,8 +7156,8 @@
             </p:nvSpPr>
             <p:spPr>
               <a:xfrm>
-                <a:off x="458147" y="2543530"/>
-                <a:ext cx="11219673" cy="690895"/>
+                <a:off x="2121839" y="2454624"/>
+                <a:ext cx="7126118" cy="690895"/>
               </a:xfrm>
               <a:prstGeom prst="rect">
                 <a:avLst/>
@@ -6925,244 +7177,78 @@
                       <m:jc m:val="centerGroup"/>
                     </m:oMathParaPr>
                     <m:oMath xmlns:m="http://schemas.openxmlformats.org/officeDocument/2006/math">
-                      <m:sSub>
-                        <m:sSubPr>
-                          <m:ctrlPr>
-                            <a:rPr lang="en-US" sz="3000" i="1" smtClean="0">
-                              <a:latin typeface="Cambria Math" panose="02040503050406030204" pitchFamily="18" charset="0"/>
-                            </a:rPr>
-                          </m:ctrlPr>
-                        </m:sSubPr>
-                        <m:e>
-                          <m:r>
-                            <a:rPr lang="en-US" sz="3000" b="0" i="1" smtClean="0">
-                              <a:latin typeface="Cambria Math" panose="02040503050406030204" pitchFamily="18" charset="0"/>
-                            </a:rPr>
-                            <m:t>𝐸</m:t>
-                          </m:r>
-                        </m:e>
-                        <m:sub>
-                          <m:r>
-                            <a:rPr lang="en-US" sz="3000" b="0" i="1" smtClean="0">
-                              <a:latin typeface="Cambria Math" panose="02040503050406030204" pitchFamily="18" charset="0"/>
-                            </a:rPr>
-                            <m:t>𝑥</m:t>
-                          </m:r>
-                          <m:r>
-                            <a:rPr lang="en-US" sz="3000" b="0" i="1" smtClean="0">
-                              <a:latin typeface="Cambria Math" panose="02040503050406030204" pitchFamily="18" charset="0"/>
-                              <a:ea typeface="Cambria Math" panose="02040503050406030204" pitchFamily="18" charset="0"/>
-                            </a:rPr>
-                            <m:t>~</m:t>
-                          </m:r>
-                          <m:sSub>
-                            <m:sSubPr>
-                              <m:ctrlPr>
-                                <a:rPr lang="en-US" sz="3000" b="0" i="1" smtClean="0">
-                                  <a:latin typeface="Cambria Math" panose="02040503050406030204" pitchFamily="18" charset="0"/>
-                                  <a:ea typeface="Cambria Math" panose="02040503050406030204" pitchFamily="18" charset="0"/>
-                                </a:rPr>
-                              </m:ctrlPr>
-                            </m:sSubPr>
-                            <m:e>
-                              <m:r>
-                                <a:rPr lang="en-US" sz="3000" b="0" i="1" smtClean="0">
-                                  <a:latin typeface="Cambria Math" panose="02040503050406030204" pitchFamily="18" charset="0"/>
-                                  <a:ea typeface="Cambria Math" panose="02040503050406030204" pitchFamily="18" charset="0"/>
-                                </a:rPr>
-                                <m:t>𝑝</m:t>
-                              </m:r>
-                            </m:e>
-                            <m:sub>
-                              <m:r>
-                                <a:rPr lang="en-US" sz="3000" b="0" i="1" smtClean="0">
-                                  <a:latin typeface="Cambria Math" panose="02040503050406030204" pitchFamily="18" charset="0"/>
-                                  <a:ea typeface="Cambria Math" panose="02040503050406030204" pitchFamily="18" charset="0"/>
-                                </a:rPr>
-                                <m:t>𝑑𝑎𝑡𝑎</m:t>
-                              </m:r>
-                            </m:sub>
-                          </m:sSub>
-                          <m:r>
-                            <a:rPr lang="en-US" sz="3000" b="0" i="1" smtClean="0">
-                              <a:latin typeface="Cambria Math" panose="02040503050406030204" pitchFamily="18" charset="0"/>
-                              <a:ea typeface="Cambria Math" panose="02040503050406030204" pitchFamily="18" charset="0"/>
-                            </a:rPr>
-                            <m:t>(</m:t>
-                          </m:r>
-                          <m:r>
-                            <a:rPr lang="en-US" sz="3000" b="0" i="1" smtClean="0">
-                              <a:latin typeface="Cambria Math" panose="02040503050406030204" pitchFamily="18" charset="0"/>
-                              <a:ea typeface="Cambria Math" panose="02040503050406030204" pitchFamily="18" charset="0"/>
-                            </a:rPr>
-                            <m:t>𝑥</m:t>
-                          </m:r>
-                          <m:r>
-                            <a:rPr lang="en-US" sz="3000" b="0" i="1" smtClean="0">
-                              <a:latin typeface="Cambria Math" panose="02040503050406030204" pitchFamily="18" charset="0"/>
-                              <a:ea typeface="Cambria Math" panose="02040503050406030204" pitchFamily="18" charset="0"/>
-                            </a:rPr>
-                            <m:t>)</m:t>
-                          </m:r>
-                        </m:sub>
-                      </m:sSub>
+                      <m:r>
+                        <a:rPr lang="en-US" sz="3000" i="1" smtClean="0">
+                          <a:latin typeface="Cambria Math" panose="02040503050406030204" pitchFamily="18" charset="0"/>
+                        </a:rPr>
+                        <m:t>𝑙𝑜𝑔𝐷</m:t>
+                      </m:r>
                       <m:d>
                         <m:dPr>
-                          <m:begChr m:val="["/>
-                          <m:endChr m:val="]"/>
                           <m:ctrlPr>
-                            <a:rPr lang="en-US" sz="3000" b="0" i="1" smtClean="0">
+                            <a:rPr lang="en-US" sz="3000" i="1">
                               <a:latin typeface="Cambria Math" panose="02040503050406030204" pitchFamily="18" charset="0"/>
                             </a:rPr>
                           </m:ctrlPr>
                         </m:dPr>
                         <m:e>
                           <m:r>
-                            <a:rPr lang="en-US" sz="3000" b="0" i="1" smtClean="0">
+                            <a:rPr lang="en-US" sz="3000" i="1" smtClean="0">
                               <a:latin typeface="Cambria Math" panose="02040503050406030204" pitchFamily="18" charset="0"/>
                             </a:rPr>
-                            <m:t>𝑙𝑜𝑔𝐷</m:t>
+                            <m:t>𝑥</m:t>
                           </m:r>
-                          <m:d>
-                            <m:dPr>
-                              <m:ctrlPr>
-                                <a:rPr lang="en-US" sz="3000" b="0" i="1" smtClean="0">
-                                  <a:latin typeface="Cambria Math" panose="02040503050406030204" pitchFamily="18" charset="0"/>
-                                </a:rPr>
-                              </m:ctrlPr>
-                            </m:dPr>
-                            <m:e>
-                              <m:r>
-                                <a:rPr lang="en-US" sz="3000" b="0" i="1" smtClean="0">
-                                  <a:latin typeface="Cambria Math" panose="02040503050406030204" pitchFamily="18" charset="0"/>
-                                </a:rPr>
-                                <m:t>𝑥</m:t>
-                              </m:r>
-                            </m:e>
-                          </m:d>
                         </m:e>
                       </m:d>
                       <m:r>
-                        <a:rPr lang="en-US" sz="3000" b="0" i="1" smtClean="0">
+                        <a:rPr lang="en-US" sz="3000" i="1" smtClean="0">
                           <a:latin typeface="Cambria Math" panose="02040503050406030204" pitchFamily="18" charset="0"/>
                         </a:rPr>
-                        <m:t>+</m:t>
+                        <m:t> +</m:t>
                       </m:r>
-                      <m:sSub>
-                        <m:sSubPr>
-                          <m:ctrlPr>
-                            <a:rPr lang="en-US" sz="3000" i="1">
-                              <a:latin typeface="Cambria Math" panose="02040503050406030204" pitchFamily="18" charset="0"/>
-                            </a:rPr>
-                          </m:ctrlPr>
-                        </m:sSubPr>
-                        <m:e>
-                          <m:r>
-                            <a:rPr lang="en-US" sz="3000" i="1">
-                              <a:latin typeface="Cambria Math" panose="02040503050406030204" pitchFamily="18" charset="0"/>
-                            </a:rPr>
-                            <m:t>𝐸</m:t>
-                          </m:r>
-                        </m:e>
-                        <m:sub>
-                          <m:r>
-                            <a:rPr lang="en-US" sz="3000" b="0" i="1" smtClean="0">
-                              <a:latin typeface="Cambria Math" panose="02040503050406030204" pitchFamily="18" charset="0"/>
-                            </a:rPr>
-                            <m:t>𝑧</m:t>
-                          </m:r>
-                          <m:r>
-                            <a:rPr lang="en-US" sz="3000" i="1">
-                              <a:latin typeface="Cambria Math" panose="02040503050406030204" pitchFamily="18" charset="0"/>
-                              <a:ea typeface="Cambria Math" panose="02040503050406030204" pitchFamily="18" charset="0"/>
-                            </a:rPr>
-                            <m:t>~</m:t>
-                          </m:r>
-                          <m:sSub>
-                            <m:sSubPr>
-                              <m:ctrlPr>
-                                <a:rPr lang="en-US" sz="3000" i="1" smtClean="0">
-                                  <a:latin typeface="Cambria Math" panose="02040503050406030204" pitchFamily="18" charset="0"/>
-                                  <a:ea typeface="Cambria Math" panose="02040503050406030204" pitchFamily="18" charset="0"/>
-                                </a:rPr>
-                              </m:ctrlPr>
-                            </m:sSubPr>
-                            <m:e>
-                              <m:r>
-                                <a:rPr lang="en-US" sz="3000" i="1">
-                                  <a:latin typeface="Cambria Math" panose="02040503050406030204" pitchFamily="18" charset="0"/>
-                                  <a:ea typeface="Cambria Math" panose="02040503050406030204" pitchFamily="18" charset="0"/>
-                                </a:rPr>
-                                <m:t>𝑝</m:t>
-                              </m:r>
-                            </m:e>
-                            <m:sub>
-                              <m:r>
-                                <a:rPr lang="en-US" sz="3000" b="0" i="1" smtClean="0">
-                                  <a:latin typeface="Cambria Math" panose="02040503050406030204" pitchFamily="18" charset="0"/>
-                                  <a:ea typeface="Cambria Math" panose="02040503050406030204" pitchFamily="18" charset="0"/>
-                                </a:rPr>
-                                <m:t>𝑛𝑜𝑖𝑠𝑒</m:t>
-                              </m:r>
-                            </m:sub>
-                          </m:sSub>
-                          <m:r>
-                            <a:rPr lang="en-US" sz="3000" i="1">
-                              <a:latin typeface="Cambria Math" panose="02040503050406030204" pitchFamily="18" charset="0"/>
-                              <a:ea typeface="Cambria Math" panose="02040503050406030204" pitchFamily="18" charset="0"/>
-                            </a:rPr>
-                            <m:t>(</m:t>
-                          </m:r>
-                          <m:r>
-                            <a:rPr lang="en-US" sz="3000" b="0" i="1" smtClean="0">
-                              <a:latin typeface="Cambria Math" panose="02040503050406030204" pitchFamily="18" charset="0"/>
-                              <a:ea typeface="Cambria Math" panose="02040503050406030204" pitchFamily="18" charset="0"/>
-                            </a:rPr>
-                            <m:t>𝑧</m:t>
-                          </m:r>
-                          <m:r>
-                            <a:rPr lang="en-US" sz="3000" i="1">
-                              <a:latin typeface="Cambria Math" panose="02040503050406030204" pitchFamily="18" charset="0"/>
-                              <a:ea typeface="Cambria Math" panose="02040503050406030204" pitchFamily="18" charset="0"/>
-                            </a:rPr>
-                            <m:t>)</m:t>
-                          </m:r>
-                        </m:sub>
-                      </m:sSub>
-                      <m:d>
-                        <m:dPr>
-                          <m:begChr m:val="["/>
-                          <m:endChr m:val="]"/>
+                      <m:func>
+                        <m:funcPr>
                           <m:ctrlPr>
                             <a:rPr lang="en-US" sz="3000" i="1">
                               <a:latin typeface="Cambria Math" panose="02040503050406030204" pitchFamily="18" charset="0"/>
                               <a:ea typeface="Cambria Math" panose="02040503050406030204" pitchFamily="18" charset="0"/>
                             </a:rPr>
                           </m:ctrlPr>
-                        </m:dPr>
+                        </m:funcPr>
+                        <m:fName>
+                          <m:r>
+                            <a:rPr lang="en-US" sz="3000" i="1" smtClean="0">
+                              <a:latin typeface="Cambria Math" panose="02040503050406030204" pitchFamily="18" charset="0"/>
+                              <a:ea typeface="Cambria Math" panose="02040503050406030204" pitchFamily="18" charset="0"/>
+                            </a:rPr>
+                            <m:t>𝑙𝑜𝑔</m:t>
+                          </m:r>
+                        </m:fName>
                         <m:e>
-                          <m:func>
-                            <m:funcPr>
+                          <m:d>
+                            <m:dPr>
                               <m:ctrlPr>
                                 <a:rPr lang="en-US" sz="3000" i="1">
                                   <a:latin typeface="Cambria Math" panose="02040503050406030204" pitchFamily="18" charset="0"/>
                                   <a:ea typeface="Cambria Math" panose="02040503050406030204" pitchFamily="18" charset="0"/>
                                 </a:rPr>
                               </m:ctrlPr>
-                            </m:funcPr>
-                            <m:fName>
+                            </m:dPr>
+                            <m:e>
                               <m:r>
-                                <m:rPr>
-                                  <m:sty m:val="p"/>
-                                </m:rPr>
-                                <a:rPr lang="en-US" sz="3000">
+                                <a:rPr lang="en-US" sz="3000" i="1" smtClean="0">
                                   <a:latin typeface="Cambria Math" panose="02040503050406030204" pitchFamily="18" charset="0"/>
                                   <a:ea typeface="Cambria Math" panose="02040503050406030204" pitchFamily="18" charset="0"/>
                                 </a:rPr>
-                                <m:t>log</m:t>
+                                <m:t>1−</m:t>
                               </m:r>
-                            </m:fName>
-                            <m:e>
+                              <m:r>
+                                <a:rPr lang="en-US" sz="3000" i="1" smtClean="0">
+                                  <a:latin typeface="Cambria Math" panose="02040503050406030204" pitchFamily="18" charset="0"/>
+                                  <a:ea typeface="Cambria Math" panose="02040503050406030204" pitchFamily="18" charset="0"/>
+                                </a:rPr>
+                                <m:t>𝐷</m:t>
+                              </m:r>
                               <m:d>
                                 <m:dPr>
                                   <m:ctrlPr>
@@ -7174,18 +7260,11 @@
                                 </m:dPr>
                                 <m:e>
                                   <m:r>
-                                    <a:rPr lang="en-US" sz="3000" i="1">
+                                    <a:rPr lang="en-US" sz="3000" i="1" smtClean="0">
                                       <a:latin typeface="Cambria Math" panose="02040503050406030204" pitchFamily="18" charset="0"/>
                                       <a:ea typeface="Cambria Math" panose="02040503050406030204" pitchFamily="18" charset="0"/>
                                     </a:rPr>
-                                    <m:t>1−</m:t>
-                                  </m:r>
-                                  <m:r>
-                                    <a:rPr lang="en-US" sz="3000" i="1">
-                                      <a:latin typeface="Cambria Math" panose="02040503050406030204" pitchFamily="18" charset="0"/>
-                                      <a:ea typeface="Cambria Math" panose="02040503050406030204" pitchFamily="18" charset="0"/>
-                                    </a:rPr>
-                                    <m:t>𝐷</m:t>
+                                    <m:t>𝐺</m:t>
                                   </m:r>
                                   <m:d>
                                     <m:dPr>
@@ -7198,39 +7277,20 @@
                                     </m:dPr>
                                     <m:e>
                                       <m:r>
-                                        <a:rPr lang="en-US" sz="3000" i="1">
+                                        <a:rPr lang="en-US" sz="3000" i="1" smtClean="0">
                                           <a:latin typeface="Cambria Math" panose="02040503050406030204" pitchFamily="18" charset="0"/>
                                           <a:ea typeface="Cambria Math" panose="02040503050406030204" pitchFamily="18" charset="0"/>
                                         </a:rPr>
-                                        <m:t>𝐺</m:t>
+                                        <m:t>𝑧</m:t>
                                       </m:r>
-                                      <m:d>
-                                        <m:dPr>
-                                          <m:ctrlPr>
-                                            <a:rPr lang="en-US" sz="3000" i="1">
-                                              <a:latin typeface="Cambria Math" panose="02040503050406030204" pitchFamily="18" charset="0"/>
-                                              <a:ea typeface="Cambria Math" panose="02040503050406030204" pitchFamily="18" charset="0"/>
-                                            </a:rPr>
-                                          </m:ctrlPr>
-                                        </m:dPr>
-                                        <m:e>
-                                          <m:r>
-                                            <a:rPr lang="en-US" sz="3000" i="1">
-                                              <a:latin typeface="Cambria Math" panose="02040503050406030204" pitchFamily="18" charset="0"/>
-                                              <a:ea typeface="Cambria Math" panose="02040503050406030204" pitchFamily="18" charset="0"/>
-                                            </a:rPr>
-                                            <m:t>𝑧</m:t>
-                                          </m:r>
-                                        </m:e>
-                                      </m:d>
                                     </m:e>
                                   </m:d>
                                 </m:e>
                               </m:d>
                             </m:e>
-                          </m:func>
+                          </m:d>
                         </m:e>
-                      </m:d>
+                      </m:func>
                       <m:r>
                         <a:rPr lang="en-US" sz="3000" b="0" i="1" smtClean="0">
                           <a:latin typeface="Cambria Math" panose="02040503050406030204" pitchFamily="18" charset="0"/>
@@ -7262,19 +7322,26 @@
                               <a:latin typeface="Cambria Math" panose="02040503050406030204" pitchFamily="18" charset="0"/>
                               <a:ea typeface="Cambria Math" panose="02040503050406030204" pitchFamily="18" charset="0"/>
                             </a:rPr>
-                            <m:t>𝑚𝑎𝑥</m:t>
+                            <m:t>𝑚</m:t>
+                          </m:r>
+                          <m:r>
+                            <a:rPr lang="en-US" sz="3000" b="0" i="1" smtClean="0">
+                              <a:latin typeface="Cambria Math" panose="02040503050406030204" pitchFamily="18" charset="0"/>
+                              <a:ea typeface="Cambria Math" panose="02040503050406030204" pitchFamily="18" charset="0"/>
+                            </a:rPr>
+                            <m:t>𝑎𝑥</m:t>
                           </m:r>
                         </m:e>
                       </m:func>
                     </m:oMath>
                   </m:oMathPara>
                 </a14:m>
-                <a:endParaRPr lang="en-US" sz="3000" dirty="0"/>
+                <a:endParaRPr lang="en-US" sz="3000" i="1" dirty="0"/>
               </a:p>
             </p:txBody>
           </p:sp>
         </mc:Choice>
-        <mc:Fallback xmlns="">
+        <mc:Fallback>
           <p:sp>
             <p:nvSpPr>
               <p:cNvPr id="5" name="TextBox 4">
@@ -7291,8 +7358,8 @@
             </p:nvSpPr>
             <p:spPr>
               <a:xfrm>
-                <a:off x="458147" y="2543530"/>
-                <a:ext cx="11219673" cy="690895"/>
+                <a:off x="2121839" y="2454624"/>
+                <a:ext cx="7126118" cy="690895"/>
               </a:xfrm>
               <a:prstGeom prst="rect">
                 <a:avLst/>
@@ -7333,7 +7400,7 @@
         </p:nvSpPr>
         <p:spPr>
           <a:xfrm>
-            <a:off x="10158460" y="2969122"/>
+            <a:off x="7760700" y="2841640"/>
             <a:ext cx="313228" cy="553998"/>
           </a:xfrm>
           <a:prstGeom prst="rect">
@@ -7371,7 +7438,7 @@
         </p:nvSpPr>
         <p:spPr>
           <a:xfrm>
-            <a:off x="10903411" y="2957426"/>
+            <a:off x="8505651" y="2829944"/>
             <a:ext cx="313228" cy="553998"/>
           </a:xfrm>
           <a:prstGeom prst="rect">
@@ -7447,8 +7514,8 @@
           </a:p>
         </p:txBody>
       </p:sp>
-      <mc:AlternateContent xmlns:mc="http://schemas.openxmlformats.org/markup-compatibility/2006" xmlns:a14="http://schemas.microsoft.com/office/drawing/2010/main">
-        <mc:Choice Requires="a14">
+      <mc:AlternateContent xmlns:mc="http://schemas.openxmlformats.org/markup-compatibility/2006">
+        <mc:Choice xmlns:a14="http://schemas.microsoft.com/office/drawing/2010/main" Requires="a14">
           <p:sp>
             <p:nvSpPr>
               <p:cNvPr id="9" name="Rectangle 8">
@@ -7463,8 +7530,8 @@
             </p:nvSpPr>
             <p:spPr>
               <a:xfrm>
-                <a:off x="462755" y="4469496"/>
-                <a:ext cx="11347769" cy="1935786"/>
+                <a:off x="589280" y="4697647"/>
+                <a:ext cx="11347769" cy="1474121"/>
               </a:xfrm>
               <a:prstGeom prst="rect">
                 <a:avLst/>
@@ -7483,91 +7550,14 @@
                       <m:jc m:val="centerGroup"/>
                     </m:oMathParaPr>
                     <m:oMath xmlns:m="http://schemas.openxmlformats.org/officeDocument/2006/math">
-                      <m:sSub>
-                        <m:sSubPr>
-                          <m:ctrlPr>
-                            <a:rPr lang="en-US" sz="3000" i="1" smtClean="0">
-                              <a:latin typeface="Cambria Math" panose="02040503050406030204" pitchFamily="18" charset="0"/>
-                            </a:rPr>
-                          </m:ctrlPr>
-                        </m:sSubPr>
-                        <m:e>
-                          <m:r>
-                            <a:rPr lang="en-US" sz="3000" i="1">
-                              <a:latin typeface="Cambria Math" panose="02040503050406030204" pitchFamily="18" charset="0"/>
-                            </a:rPr>
-                            <m:t>𝐸</m:t>
-                          </m:r>
-                        </m:e>
-                        <m:sub>
-                          <m:r>
-                            <a:rPr lang="en-US" sz="3000" i="1">
-                              <a:latin typeface="Cambria Math" panose="02040503050406030204" pitchFamily="18" charset="0"/>
-                            </a:rPr>
-                            <m:t>𝑥</m:t>
-                          </m:r>
-                          <m:r>
-                            <a:rPr lang="en-US" sz="3000" i="1">
-                              <a:latin typeface="Cambria Math" panose="02040503050406030204" pitchFamily="18" charset="0"/>
-                              <a:ea typeface="Cambria Math" panose="02040503050406030204" pitchFamily="18" charset="0"/>
-                            </a:rPr>
-                            <m:t>~</m:t>
-                          </m:r>
-                          <m:sSub>
-                            <m:sSubPr>
-                              <m:ctrlPr>
-                                <a:rPr lang="en-US" sz="3000" i="1">
-                                  <a:latin typeface="Cambria Math" panose="02040503050406030204" pitchFamily="18" charset="0"/>
-                                  <a:ea typeface="Cambria Math" panose="02040503050406030204" pitchFamily="18" charset="0"/>
-                                </a:rPr>
-                              </m:ctrlPr>
-                            </m:sSubPr>
-                            <m:e>
-                              <m:r>
-                                <a:rPr lang="en-US" sz="3000" i="1">
-                                  <a:latin typeface="Cambria Math" panose="02040503050406030204" pitchFamily="18" charset="0"/>
-                                  <a:ea typeface="Cambria Math" panose="02040503050406030204" pitchFamily="18" charset="0"/>
-                                </a:rPr>
-                                <m:t>𝑝</m:t>
-                              </m:r>
-                            </m:e>
-                            <m:sub>
-                              <m:r>
-                                <a:rPr lang="en-US" sz="3000" i="1">
-                                  <a:latin typeface="Cambria Math" panose="02040503050406030204" pitchFamily="18" charset="0"/>
-                                  <a:ea typeface="Cambria Math" panose="02040503050406030204" pitchFamily="18" charset="0"/>
-                                </a:rPr>
-                                <m:t>𝑑𝑎𝑡𝑎</m:t>
-                              </m:r>
-                            </m:sub>
-                          </m:sSub>
-                          <m:r>
-                            <a:rPr lang="en-US" sz="3000" i="1">
-                              <a:latin typeface="Cambria Math" panose="02040503050406030204" pitchFamily="18" charset="0"/>
-                              <a:ea typeface="Cambria Math" panose="02040503050406030204" pitchFamily="18" charset="0"/>
-                            </a:rPr>
-                            <m:t>(</m:t>
-                          </m:r>
-                          <m:r>
-                            <a:rPr lang="en-US" sz="3000" i="1">
-                              <a:latin typeface="Cambria Math" panose="02040503050406030204" pitchFamily="18" charset="0"/>
-                              <a:ea typeface="Cambria Math" panose="02040503050406030204" pitchFamily="18" charset="0"/>
-                            </a:rPr>
-                            <m:t>𝑥</m:t>
-                          </m:r>
-                          <m:r>
-                            <a:rPr lang="en-US" sz="3000" i="1">
-                              <a:latin typeface="Cambria Math" panose="02040503050406030204" pitchFamily="18" charset="0"/>
-                              <a:ea typeface="Cambria Math" panose="02040503050406030204" pitchFamily="18" charset="0"/>
-                            </a:rPr>
-                            <m:t>)</m:t>
-                          </m:r>
-                        </m:sub>
-                      </m:sSub>
+                      <m:r>
+                        <a:rPr lang="en-US" sz="3000" i="1" smtClean="0">
+                          <a:latin typeface="Cambria Math" panose="02040503050406030204" pitchFamily="18" charset="0"/>
+                        </a:rPr>
+                        <m:t>𝑙𝑜𝑔𝐷</m:t>
+                      </m:r>
                       <m:d>
                         <m:dPr>
-                          <m:begChr m:val="["/>
-                          <m:endChr m:val="]"/>
                           <m:ctrlPr>
                             <a:rPr lang="en-US" sz="3000" i="1">
                               <a:latin typeface="Cambria Math" panose="02040503050406030204" pitchFamily="18" charset="0"/>
@@ -7579,25 +7569,8 @@
                             <a:rPr lang="en-US" sz="3000" i="1">
                               <a:latin typeface="Cambria Math" panose="02040503050406030204" pitchFamily="18" charset="0"/>
                             </a:rPr>
-                            <m:t>𝑙𝑜𝑔𝐷</m:t>
+                            <m:t>𝑥</m:t>
                           </m:r>
-                          <m:d>
-                            <m:dPr>
-                              <m:ctrlPr>
-                                <a:rPr lang="en-US" sz="3000" i="1">
-                                  <a:latin typeface="Cambria Math" panose="02040503050406030204" pitchFamily="18" charset="0"/>
-                                </a:rPr>
-                              </m:ctrlPr>
-                            </m:dPr>
-                            <m:e>
-                              <m:r>
-                                <a:rPr lang="en-US" sz="3000" i="1">
-                                  <a:latin typeface="Cambria Math" panose="02040503050406030204" pitchFamily="18" charset="0"/>
-                                </a:rPr>
-                                <m:t>𝑥</m:t>
-                              </m:r>
-                            </m:e>
-                          </m:d>
                         </m:e>
                       </m:d>
                       <m:r>
@@ -7606,121 +7579,49 @@
                         </a:rPr>
                         <m:t>+</m:t>
                       </m:r>
-                      <m:sSub>
-                        <m:sSubPr>
+                      <m:func>
+                        <m:funcPr>
                           <m:ctrlPr>
                             <a:rPr lang="en-US" sz="3000" i="1">
                               <a:latin typeface="Cambria Math" panose="02040503050406030204" pitchFamily="18" charset="0"/>
+                              <a:ea typeface="Cambria Math" panose="02040503050406030204" pitchFamily="18" charset="0"/>
                             </a:rPr>
                           </m:ctrlPr>
-                        </m:sSubPr>
-                        <m:e>
-                          <m:r>
-                            <a:rPr lang="en-US" sz="3000" i="1">
-                              <a:latin typeface="Cambria Math" panose="02040503050406030204" pitchFamily="18" charset="0"/>
-                            </a:rPr>
-                            <m:t>𝐸</m:t>
-                          </m:r>
-                        </m:e>
-                        <m:sub>
-                          <m:r>
-                            <a:rPr lang="en-US" sz="3000" i="1">
-                              <a:latin typeface="Cambria Math" panose="02040503050406030204" pitchFamily="18" charset="0"/>
-                            </a:rPr>
-                            <m:t>𝑧</m:t>
-                          </m:r>
+                        </m:funcPr>
+                        <m:fName>
                           <m:r>
                             <a:rPr lang="en-US" sz="3000" i="1">
                               <a:latin typeface="Cambria Math" panose="02040503050406030204" pitchFamily="18" charset="0"/>
                               <a:ea typeface="Cambria Math" panose="02040503050406030204" pitchFamily="18" charset="0"/>
                             </a:rPr>
-                            <m:t>~</m:t>
+                            <m:t>𝑙𝑜𝑔</m:t>
                           </m:r>
-                          <m:sSub>
-                            <m:sSubPr>
+                        </m:fName>
+                        <m:e>
+                          <m:d>
+                            <m:dPr>
                               <m:ctrlPr>
                                 <a:rPr lang="en-US" sz="3000" i="1">
                                   <a:latin typeface="Cambria Math" panose="02040503050406030204" pitchFamily="18" charset="0"/>
                                   <a:ea typeface="Cambria Math" panose="02040503050406030204" pitchFamily="18" charset="0"/>
                                 </a:rPr>
                               </m:ctrlPr>
-                            </m:sSubPr>
+                            </m:dPr>
                             <m:e>
                               <m:r>
                                 <a:rPr lang="en-US" sz="3000" i="1">
                                   <a:latin typeface="Cambria Math" panose="02040503050406030204" pitchFamily="18" charset="0"/>
                                   <a:ea typeface="Cambria Math" panose="02040503050406030204" pitchFamily="18" charset="0"/>
                                 </a:rPr>
-                                <m:t>𝑝</m:t>
+                                <m:t>1−</m:t>
                               </m:r>
-                            </m:e>
-                            <m:sub>
                               <m:r>
-                                <a:rPr lang="en-US" sz="3000" b="0" i="1" smtClean="0">
-                                  <a:latin typeface="Cambria Math" panose="02040503050406030204" pitchFamily="18" charset="0"/>
-                                  <a:ea typeface="Cambria Math" panose="02040503050406030204" pitchFamily="18" charset="0"/>
-                                </a:rPr>
-                                <m:t>𝑛𝑜𝑖𝑠𝑒</m:t>
-                              </m:r>
-                            </m:sub>
-                          </m:sSub>
-                          <m:r>
-                            <a:rPr lang="en-US" sz="3000" i="1">
-                              <a:latin typeface="Cambria Math" panose="02040503050406030204" pitchFamily="18" charset="0"/>
-                              <a:ea typeface="Cambria Math" panose="02040503050406030204" pitchFamily="18" charset="0"/>
-                            </a:rPr>
-                            <m:t>(</m:t>
-                          </m:r>
-                          <m:r>
-                            <a:rPr lang="en-US" sz="3000" i="1">
-                              <a:latin typeface="Cambria Math" panose="02040503050406030204" pitchFamily="18" charset="0"/>
-                              <a:ea typeface="Cambria Math" panose="02040503050406030204" pitchFamily="18" charset="0"/>
-                            </a:rPr>
-                            <m:t>𝑧</m:t>
-                          </m:r>
-                          <m:r>
-                            <a:rPr lang="en-US" sz="3000" i="1">
-                              <a:latin typeface="Cambria Math" panose="02040503050406030204" pitchFamily="18" charset="0"/>
-                              <a:ea typeface="Cambria Math" panose="02040503050406030204" pitchFamily="18" charset="0"/>
-                            </a:rPr>
-                            <m:t>)</m:t>
-                          </m:r>
-                        </m:sub>
-                      </m:sSub>
-                      <m:d>
-                        <m:dPr>
-                          <m:begChr m:val="["/>
-                          <m:endChr m:val="]"/>
-                          <m:ctrlPr>
-                            <a:rPr lang="en-US" sz="3000" i="1">
-                              <a:latin typeface="Cambria Math" panose="02040503050406030204" pitchFamily="18" charset="0"/>
-                              <a:ea typeface="Cambria Math" panose="02040503050406030204" pitchFamily="18" charset="0"/>
-                            </a:rPr>
-                          </m:ctrlPr>
-                        </m:dPr>
-                        <m:e>
-                          <m:func>
-                            <m:funcPr>
-                              <m:ctrlPr>
                                 <a:rPr lang="en-US" sz="3000" i="1">
                                   <a:latin typeface="Cambria Math" panose="02040503050406030204" pitchFamily="18" charset="0"/>
                                   <a:ea typeface="Cambria Math" panose="02040503050406030204" pitchFamily="18" charset="0"/>
                                 </a:rPr>
-                              </m:ctrlPr>
-                            </m:funcPr>
-                            <m:fName>
-                              <m:r>
-                                <m:rPr>
-                                  <m:sty m:val="p"/>
-                                </m:rPr>
-                                <a:rPr lang="en-US" sz="3000">
-                                  <a:latin typeface="Cambria Math" panose="02040503050406030204" pitchFamily="18" charset="0"/>
-                                  <a:ea typeface="Cambria Math" panose="02040503050406030204" pitchFamily="18" charset="0"/>
-                                </a:rPr>
-                                <m:t>log</m:t>
+                                <m:t>𝐷</m:t>
                               </m:r>
-                            </m:fName>
-                            <m:e>
                               <m:d>
                                 <m:dPr>
                                   <m:ctrlPr>
@@ -7736,14 +7637,7 @@
                                       <a:latin typeface="Cambria Math" panose="02040503050406030204" pitchFamily="18" charset="0"/>
                                       <a:ea typeface="Cambria Math" panose="02040503050406030204" pitchFamily="18" charset="0"/>
                                     </a:rPr>
-                                    <m:t>1−</m:t>
-                                  </m:r>
-                                  <m:r>
-                                    <a:rPr lang="en-US" sz="3000" i="1">
-                                      <a:latin typeface="Cambria Math" panose="02040503050406030204" pitchFamily="18" charset="0"/>
-                                      <a:ea typeface="Cambria Math" panose="02040503050406030204" pitchFamily="18" charset="0"/>
-                                    </a:rPr>
-                                    <m:t>𝐷</m:t>
+                                    <m:t>𝐺</m:t>
                                   </m:r>
                                   <m:d>
                                     <m:dPr>
@@ -7760,35 +7654,16 @@
                                           <a:latin typeface="Cambria Math" panose="02040503050406030204" pitchFamily="18" charset="0"/>
                                           <a:ea typeface="Cambria Math" panose="02040503050406030204" pitchFamily="18" charset="0"/>
                                         </a:rPr>
-                                        <m:t>𝐺</m:t>
+                                        <m:t>𝑧</m:t>
                                       </m:r>
-                                      <m:d>
-                                        <m:dPr>
-                                          <m:ctrlPr>
-                                            <a:rPr lang="en-US" sz="3000" i="1">
-                                              <a:latin typeface="Cambria Math" panose="02040503050406030204" pitchFamily="18" charset="0"/>
-                                              <a:ea typeface="Cambria Math" panose="02040503050406030204" pitchFamily="18" charset="0"/>
-                                            </a:rPr>
-                                          </m:ctrlPr>
-                                        </m:dPr>
-                                        <m:e>
-                                          <m:r>
-                                            <a:rPr lang="en-US" sz="3000" i="1">
-                                              <a:latin typeface="Cambria Math" panose="02040503050406030204" pitchFamily="18" charset="0"/>
-                                              <a:ea typeface="Cambria Math" panose="02040503050406030204" pitchFamily="18" charset="0"/>
-                                            </a:rPr>
-                                            <m:t>𝑧</m:t>
-                                          </m:r>
-                                        </m:e>
-                                      </m:d>
                                     </m:e>
                                   </m:d>
                                 </m:e>
                               </m:d>
                             </m:e>
-                          </m:func>
+                          </m:d>
                         </m:e>
-                      </m:d>
+                      </m:func>
                       <m:r>
                         <a:rPr lang="en-US" sz="3000" b="0" i="1" smtClean="0">
                           <a:latin typeface="Cambria Math" panose="02040503050406030204" pitchFamily="18" charset="0"/>
@@ -7796,127 +7671,48 @@
                         </a:rPr>
                         <m:t>+</m:t>
                       </m:r>
-                      <m:sSub>
-                        <m:sSubPr>
+                      <m:func>
+                        <m:funcPr>
                           <m:ctrlPr>
                             <a:rPr lang="en-US" sz="3000" i="1">
                               <a:latin typeface="Cambria Math" panose="02040503050406030204" pitchFamily="18" charset="0"/>
+                              <a:ea typeface="Cambria Math" panose="02040503050406030204" pitchFamily="18" charset="0"/>
                             </a:rPr>
                           </m:ctrlPr>
-                        </m:sSubPr>
-                        <m:e>
-                          <m:r>
-                            <a:rPr lang="en-US" sz="3000" i="1">
-                              <a:latin typeface="Cambria Math" panose="02040503050406030204" pitchFamily="18" charset="0"/>
-                            </a:rPr>
-                            <m:t>𝐸</m:t>
-                          </m:r>
-                        </m:e>
-                        <m:sub>
-                          <m:r>
-                            <a:rPr lang="en-US" sz="3000" i="1">
-                              <a:latin typeface="Cambria Math" panose="02040503050406030204" pitchFamily="18" charset="0"/>
-                            </a:rPr>
-                            <m:t>𝑧</m:t>
-                          </m:r>
+                        </m:funcPr>
+                        <m:fName>
                           <m:r>
                             <a:rPr lang="en-US" sz="3000" i="1">
                               <a:latin typeface="Cambria Math" panose="02040503050406030204" pitchFamily="18" charset="0"/>
                               <a:ea typeface="Cambria Math" panose="02040503050406030204" pitchFamily="18" charset="0"/>
                             </a:rPr>
-                            <m:t>~</m:t>
+                            <m:t>𝑙𝑜𝑔</m:t>
                           </m:r>
-                          <m:sSub>
-                            <m:sSubPr>
+                        </m:fName>
+                        <m:e>
+                          <m:r>
+                            <a:rPr lang="en-US" sz="3000" i="1">
+                              <a:latin typeface="Cambria Math" panose="02040503050406030204" pitchFamily="18" charset="0"/>
+                              <a:ea typeface="Cambria Math" panose="02040503050406030204" pitchFamily="18" charset="0"/>
+                            </a:rPr>
+                            <m:t>𝑆</m:t>
+                          </m:r>
+                          <m:d>
+                            <m:dPr>
                               <m:ctrlPr>
                                 <a:rPr lang="en-US" sz="3000" i="1">
                                   <a:latin typeface="Cambria Math" panose="02040503050406030204" pitchFamily="18" charset="0"/>
                                   <a:ea typeface="Cambria Math" panose="02040503050406030204" pitchFamily="18" charset="0"/>
                                 </a:rPr>
                               </m:ctrlPr>
-                            </m:sSubPr>
+                            </m:dPr>
                             <m:e>
                               <m:r>
                                 <a:rPr lang="en-US" sz="3000" i="1">
                                   <a:latin typeface="Cambria Math" panose="02040503050406030204" pitchFamily="18" charset="0"/>
                                   <a:ea typeface="Cambria Math" panose="02040503050406030204" pitchFamily="18" charset="0"/>
                                 </a:rPr>
-                                <m:t>𝑝</m:t>
-                              </m:r>
-                            </m:e>
-                            <m:sub>
-                              <m:r>
-                                <a:rPr lang="en-US" sz="3000" i="1">
-                                  <a:latin typeface="Cambria Math" panose="02040503050406030204" pitchFamily="18" charset="0"/>
-                                  <a:ea typeface="Cambria Math" panose="02040503050406030204" pitchFamily="18" charset="0"/>
-                                </a:rPr>
-                                <m:t>𝑛𝑜𝑖𝑠𝑒</m:t>
-                              </m:r>
-                            </m:sub>
-                          </m:sSub>
-                          <m:r>
-                            <a:rPr lang="en-US" sz="3000" i="1">
-                              <a:latin typeface="Cambria Math" panose="02040503050406030204" pitchFamily="18" charset="0"/>
-                              <a:ea typeface="Cambria Math" panose="02040503050406030204" pitchFamily="18" charset="0"/>
-                            </a:rPr>
-                            <m:t>(</m:t>
-                          </m:r>
-                          <m:r>
-                            <a:rPr lang="en-US" sz="3000" i="1">
-                              <a:latin typeface="Cambria Math" panose="02040503050406030204" pitchFamily="18" charset="0"/>
-                              <a:ea typeface="Cambria Math" panose="02040503050406030204" pitchFamily="18" charset="0"/>
-                            </a:rPr>
-                            <m:t>𝑧</m:t>
-                          </m:r>
-                          <m:r>
-                            <a:rPr lang="en-US" sz="3000" i="1">
-                              <a:latin typeface="Cambria Math" panose="02040503050406030204" pitchFamily="18" charset="0"/>
-                              <a:ea typeface="Cambria Math" panose="02040503050406030204" pitchFamily="18" charset="0"/>
-                            </a:rPr>
-                            <m:t>)</m:t>
-                          </m:r>
-                        </m:sub>
-                      </m:sSub>
-                      <m:d>
-                        <m:dPr>
-                          <m:begChr m:val="["/>
-                          <m:endChr m:val="]"/>
-                          <m:ctrlPr>
-                            <a:rPr lang="en-US" sz="3000" i="1">
-                              <a:latin typeface="Cambria Math" panose="02040503050406030204" pitchFamily="18" charset="0"/>
-                              <a:ea typeface="Cambria Math" panose="02040503050406030204" pitchFamily="18" charset="0"/>
-                            </a:rPr>
-                          </m:ctrlPr>
-                        </m:dPr>
-                        <m:e>
-                          <m:func>
-                            <m:funcPr>
-                              <m:ctrlPr>
-                                <a:rPr lang="en-US" sz="3000" i="1">
-                                  <a:latin typeface="Cambria Math" panose="02040503050406030204" pitchFamily="18" charset="0"/>
-                                  <a:ea typeface="Cambria Math" panose="02040503050406030204" pitchFamily="18" charset="0"/>
-                                </a:rPr>
-                              </m:ctrlPr>
-                            </m:funcPr>
-                            <m:fName>
-                              <m:r>
-                                <m:rPr>
-                                  <m:sty m:val="p"/>
-                                </m:rPr>
-                                <a:rPr lang="en-US" sz="3000">
-                                  <a:latin typeface="Cambria Math" panose="02040503050406030204" pitchFamily="18" charset="0"/>
-                                  <a:ea typeface="Cambria Math" panose="02040503050406030204" pitchFamily="18" charset="0"/>
-                                </a:rPr>
-                                <m:t>log</m:t>
-                              </m:r>
-                            </m:fName>
-                            <m:e>
-                              <m:r>
-                                <a:rPr lang="en-US" sz="3000" b="0" i="1" smtClean="0">
-                                  <a:latin typeface="Cambria Math" panose="02040503050406030204" pitchFamily="18" charset="0"/>
-                                  <a:ea typeface="Cambria Math" panose="02040503050406030204" pitchFamily="18" charset="0"/>
-                                </a:rPr>
-                                <m:t>𝑆</m:t>
+                                <m:t>𝑆𝑡𝑒𝑔𝑜</m:t>
                               </m:r>
                               <m:d>
                                 <m:dPr>
@@ -7929,11 +7725,11 @@
                                 </m:dPr>
                                 <m:e>
                                   <m:r>
-                                    <a:rPr lang="en-US" sz="3000" b="0" i="1" smtClean="0">
+                                    <a:rPr lang="en-US" sz="3000" i="1">
                                       <a:latin typeface="Cambria Math" panose="02040503050406030204" pitchFamily="18" charset="0"/>
                                       <a:ea typeface="Cambria Math" panose="02040503050406030204" pitchFamily="18" charset="0"/>
                                     </a:rPr>
-                                    <m:t>𝑆𝑡𝑒𝑔𝑜</m:t>
+                                    <m:t>𝐺</m:t>
                                   </m:r>
                                   <m:d>
                                     <m:dPr>
@@ -7950,66 +7746,63 @@
                                           <a:latin typeface="Cambria Math" panose="02040503050406030204" pitchFamily="18" charset="0"/>
                                           <a:ea typeface="Cambria Math" panose="02040503050406030204" pitchFamily="18" charset="0"/>
                                         </a:rPr>
-                                        <m:t>𝐺</m:t>
+                                        <m:t>𝑧</m:t>
                                       </m:r>
-                                      <m:d>
-                                        <m:dPr>
-                                          <m:ctrlPr>
-                                            <a:rPr lang="en-US" sz="3000" i="1">
-                                              <a:latin typeface="Cambria Math" panose="02040503050406030204" pitchFamily="18" charset="0"/>
-                                              <a:ea typeface="Cambria Math" panose="02040503050406030204" pitchFamily="18" charset="0"/>
-                                            </a:rPr>
-                                          </m:ctrlPr>
-                                        </m:dPr>
-                                        <m:e>
-                                          <m:r>
-                                            <a:rPr lang="en-US" sz="3000" i="1">
-                                              <a:latin typeface="Cambria Math" panose="02040503050406030204" pitchFamily="18" charset="0"/>
-                                              <a:ea typeface="Cambria Math" panose="02040503050406030204" pitchFamily="18" charset="0"/>
-                                            </a:rPr>
-                                            <m:t>𝑧</m:t>
-                                          </m:r>
-                                        </m:e>
-                                      </m:d>
                                     </m:e>
                                   </m:d>
                                 </m:e>
                               </m:d>
-                              <m:r>
-                                <a:rPr lang="en-US" sz="3000" b="0" i="1" smtClean="0">
+                            </m:e>
+                          </m:d>
+                          <m:r>
+                            <a:rPr lang="en-US" sz="3000" i="1">
+                              <a:latin typeface="Cambria Math" panose="02040503050406030204" pitchFamily="18" charset="0"/>
+                              <a:ea typeface="Cambria Math" panose="02040503050406030204" pitchFamily="18" charset="0"/>
+                            </a:rPr>
+                            <m:t>+</m:t>
+                          </m:r>
+                          <m:r>
+                            <a:rPr lang="en-US" sz="3000" i="1">
+                              <a:latin typeface="Cambria Math" panose="02040503050406030204" pitchFamily="18" charset="0"/>
+                              <a:ea typeface="Cambria Math" panose="02040503050406030204" pitchFamily="18" charset="0"/>
+                            </a:rPr>
+                            <m:t>𝑙𝑜𝑔</m:t>
+                          </m:r>
+                          <m:r>
+                            <a:rPr lang="en-US" sz="3000" i="1">
+                              <a:latin typeface="Cambria Math" panose="02040503050406030204" pitchFamily="18" charset="0"/>
+                              <a:ea typeface="Cambria Math" panose="02040503050406030204" pitchFamily="18" charset="0"/>
+                            </a:rPr>
+                            <m:t>⁡(1−</m:t>
+                          </m:r>
+                          <m:r>
+                            <a:rPr lang="en-US" sz="3000" i="1">
+                              <a:latin typeface="Cambria Math" panose="02040503050406030204" pitchFamily="18" charset="0"/>
+                              <a:ea typeface="Cambria Math" panose="02040503050406030204" pitchFamily="18" charset="0"/>
+                            </a:rPr>
+                            <m:t>𝑆</m:t>
+                          </m:r>
+                          <m:d>
+                            <m:dPr>
+                              <m:ctrlPr>
+                                <a:rPr lang="en-US" sz="3000" i="1">
                                   <a:latin typeface="Cambria Math" panose="02040503050406030204" pitchFamily="18" charset="0"/>
                                   <a:ea typeface="Cambria Math" panose="02040503050406030204" pitchFamily="18" charset="0"/>
                                 </a:rPr>
-                                <m:t>+</m:t>
-                              </m:r>
+                              </m:ctrlPr>
+                            </m:dPr>
+                            <m:e>
                               <m:r>
-                                <m:rPr>
-                                  <m:sty m:val="p"/>
-                                </m:rPr>
-                                <a:rPr lang="en-US" sz="3000" b="0" i="0" smtClean="0">
+                                <a:rPr lang="en-US" sz="3000" i="1">
                                   <a:latin typeface="Cambria Math" panose="02040503050406030204" pitchFamily="18" charset="0"/>
                                   <a:ea typeface="Cambria Math" panose="02040503050406030204" pitchFamily="18" charset="0"/>
                                 </a:rPr>
-                                <m:t>log</m:t>
-                              </m:r>
-                              <m:r>
-                                <a:rPr lang="en-US" sz="3000" b="0" i="1" smtClean="0">
-                                  <a:latin typeface="Cambria Math" panose="02040503050406030204" pitchFamily="18" charset="0"/>
-                                  <a:ea typeface="Cambria Math" panose="02040503050406030204" pitchFamily="18" charset="0"/>
-                                </a:rPr>
-                                <m:t>⁡(1−</m:t>
-                              </m:r>
-                              <m:r>
-                                <a:rPr lang="en-US" sz="3000" b="0" i="1" smtClean="0">
-                                  <a:latin typeface="Cambria Math" panose="02040503050406030204" pitchFamily="18" charset="0"/>
-                                  <a:ea typeface="Cambria Math" panose="02040503050406030204" pitchFamily="18" charset="0"/>
-                                </a:rPr>
-                                <m:t>𝑆</m:t>
+                                <m:t>𝐺</m:t>
                               </m:r>
                               <m:d>
                                 <m:dPr>
                                   <m:ctrlPr>
-                                    <a:rPr lang="en-US" sz="3000" b="0" i="1" smtClean="0">
+                                    <a:rPr lang="en-US" sz="3000" i="1">
                                       <a:latin typeface="Cambria Math" panose="02040503050406030204" pitchFamily="18" charset="0"/>
                                       <a:ea typeface="Cambria Math" panose="02040503050406030204" pitchFamily="18" charset="0"/>
                                     </a:rPr>
@@ -8017,44 +7810,25 @@
                                 </m:dPr>
                                 <m:e>
                                   <m:r>
-                                    <a:rPr lang="en-US" sz="3000" b="0" i="1" smtClean="0">
+                                    <a:rPr lang="en-US" sz="3000" i="1">
                                       <a:latin typeface="Cambria Math" panose="02040503050406030204" pitchFamily="18" charset="0"/>
                                       <a:ea typeface="Cambria Math" panose="02040503050406030204" pitchFamily="18" charset="0"/>
                                     </a:rPr>
-                                    <m:t>𝐺</m:t>
+                                    <m:t>𝑧</m:t>
                                   </m:r>
-                                  <m:d>
-                                    <m:dPr>
-                                      <m:ctrlPr>
-                                        <a:rPr lang="en-US" sz="3000" b="0" i="1" smtClean="0">
-                                          <a:latin typeface="Cambria Math" panose="02040503050406030204" pitchFamily="18" charset="0"/>
-                                          <a:ea typeface="Cambria Math" panose="02040503050406030204" pitchFamily="18" charset="0"/>
-                                        </a:rPr>
-                                      </m:ctrlPr>
-                                    </m:dPr>
-                                    <m:e>
-                                      <m:r>
-                                        <a:rPr lang="en-US" sz="3000" b="0" i="1" smtClean="0">
-                                          <a:latin typeface="Cambria Math" panose="02040503050406030204" pitchFamily="18" charset="0"/>
-                                          <a:ea typeface="Cambria Math" panose="02040503050406030204" pitchFamily="18" charset="0"/>
-                                        </a:rPr>
-                                        <m:t>𝑧</m:t>
-                                      </m:r>
-                                    </m:e>
-                                  </m:d>
                                 </m:e>
                               </m:d>
-                              <m:r>
-                                <a:rPr lang="en-US" sz="3000" b="0" i="1" smtClean="0">
-                                  <a:latin typeface="Cambria Math" panose="02040503050406030204" pitchFamily="18" charset="0"/>
-                                  <a:ea typeface="Cambria Math" panose="02040503050406030204" pitchFamily="18" charset="0"/>
-                                </a:rPr>
-                                <m:t>)</m:t>
-                              </m:r>
                             </m:e>
-                          </m:func>
+                          </m:d>
+                          <m:r>
+                            <a:rPr lang="en-US" sz="3000" i="1">
+                              <a:latin typeface="Cambria Math" panose="02040503050406030204" pitchFamily="18" charset="0"/>
+                              <a:ea typeface="Cambria Math" panose="02040503050406030204" pitchFamily="18" charset="0"/>
+                            </a:rPr>
+                            <m:t>)</m:t>
+                          </m:r>
                         </m:e>
-                      </m:d>
+                      </m:func>
                       <m:r>
                         <a:rPr lang="en-US" sz="3000" i="1">
                           <a:latin typeface="Cambria Math" panose="02040503050406030204" pitchFamily="18" charset="0"/>
@@ -8077,7 +7851,14 @@
                               <a:latin typeface="Cambria Math" panose="02040503050406030204" pitchFamily="18" charset="0"/>
                               <a:ea typeface="Cambria Math" panose="02040503050406030204" pitchFamily="18" charset="0"/>
                             </a:rPr>
-                            <m:t>𝑚𝑖𝑛</m:t>
+                            <m:t>𝑚</m:t>
+                          </m:r>
+                          <m:r>
+                            <a:rPr lang="en-US" sz="3000" b="0" i="1" smtClean="0">
+                              <a:latin typeface="Cambria Math" panose="02040503050406030204" pitchFamily="18" charset="0"/>
+                              <a:ea typeface="Cambria Math" panose="02040503050406030204" pitchFamily="18" charset="0"/>
+                            </a:rPr>
+                            <m:t>𝑖𝑛</m:t>
                           </m:r>
                         </m:fName>
                         <m:e>
@@ -8096,7 +7877,14 @@
                                   <a:latin typeface="Cambria Math" panose="02040503050406030204" pitchFamily="18" charset="0"/>
                                   <a:ea typeface="Cambria Math" panose="02040503050406030204" pitchFamily="18" charset="0"/>
                                 </a:rPr>
-                                <m:t>𝑚𝑎𝑥</m:t>
+                                <m:t>𝑚</m:t>
+                              </m:r>
+                              <m:r>
+                                <a:rPr lang="en-US" sz="3000" b="0" i="1" smtClean="0">
+                                  <a:latin typeface="Cambria Math" panose="02040503050406030204" pitchFamily="18" charset="0"/>
+                                  <a:ea typeface="Cambria Math" panose="02040503050406030204" pitchFamily="18" charset="0"/>
+                                </a:rPr>
+                                <m:t>𝑎𝑥</m:t>
                               </m:r>
                             </m:fName>
                             <m:e>
@@ -8105,7 +7893,14 @@
                                   <a:latin typeface="Cambria Math" panose="02040503050406030204" pitchFamily="18" charset="0"/>
                                   <a:ea typeface="Cambria Math" panose="02040503050406030204" pitchFamily="18" charset="0"/>
                                 </a:rPr>
-                                <m:t>𝑚𝑎𝑥</m:t>
+                                <m:t>𝑚</m:t>
+                              </m:r>
+                              <m:r>
+                                <a:rPr lang="en-US" sz="3000" b="0" i="1" smtClean="0">
+                                  <a:latin typeface="Cambria Math" panose="02040503050406030204" pitchFamily="18" charset="0"/>
+                                  <a:ea typeface="Cambria Math" panose="02040503050406030204" pitchFamily="18" charset="0"/>
+                                </a:rPr>
+                                <m:t>𝑎𝑥</m:t>
                               </m:r>
                             </m:e>
                           </m:func>
@@ -8114,12 +7909,12 @@
                     </m:oMath>
                   </m:oMathPara>
                 </a14:m>
-                <a:endParaRPr lang="en-US" sz="3000" dirty="0"/>
+                <a:endParaRPr lang="en-US" sz="3000" i="1" dirty="0"/>
               </a:p>
             </p:txBody>
           </p:sp>
         </mc:Choice>
-        <mc:Fallback xmlns="">
+        <mc:Fallback>
           <p:sp>
             <p:nvSpPr>
               <p:cNvPr id="9" name="Rectangle 8">
@@ -8136,8 +7931,8 @@
             </p:nvSpPr>
             <p:spPr>
               <a:xfrm>
-                <a:off x="462755" y="4469496"/>
-                <a:ext cx="11347769" cy="1935786"/>
+                <a:off x="589280" y="4697647"/>
+                <a:ext cx="11347769" cy="1474121"/>
               </a:xfrm>
               <a:prstGeom prst="rect">
                 <a:avLst/>
@@ -8242,7 +8037,7 @@
         </p:nvSpPr>
         <p:spPr>
           <a:xfrm>
-            <a:off x="2070625" y="6181087"/>
+            <a:off x="8944805" y="5862437"/>
             <a:ext cx="313228" cy="553998"/>
           </a:xfrm>
           <a:prstGeom prst="rect">
@@ -8280,7 +8075,7 @@
         </p:nvSpPr>
         <p:spPr>
           <a:xfrm>
-            <a:off x="2815576" y="6169391"/>
+            <a:off x="9750716" y="5850741"/>
             <a:ext cx="313228" cy="553998"/>
           </a:xfrm>
           <a:prstGeom prst="rect">
@@ -8318,7 +8113,7 @@
         </p:nvSpPr>
         <p:spPr>
           <a:xfrm>
-            <a:off x="3651967" y="6181087"/>
+            <a:off x="10587107" y="5862437"/>
             <a:ext cx="313228" cy="553998"/>
           </a:xfrm>
           <a:prstGeom prst="rect">
@@ -8497,6 +8292,9 @@
                     <p:cTn id="3" fill="hold">
                       <p:stCondLst>
                         <p:cond delay="indefinite"/>
+                        <p:cond evt="onBegin" delay="0">
+                          <p:tn val="2"/>
+                        </p:cond>
                       </p:stCondLst>
                       <p:childTnLst>
                         <p:par>
@@ -8506,7 +8304,7 @@
                             </p:stCondLst>
                             <p:childTnLst>
                               <p:par>
-                                <p:cTn id="5" presetID="1" presetClass="entr" presetSubtype="0" fill="hold" grpId="0" nodeType="clickEffect">
+                                <p:cTn id="5" presetID="1" presetClass="entr" presetSubtype="0" fill="hold" grpId="0" nodeType="withEffect">
                                   <p:stCondLst>
                                     <p:cond delay="0"/>
                                   </p:stCondLst>
@@ -8915,11 +8713,104 @@
           </a:p>
         </p:txBody>
       </p:sp>
+      <p:sp>
+        <p:nvSpPr>
+          <p:cNvPr id="15" name="TextBox 14">
+            <a:extLst>
+              <a:ext uri="{FF2B5EF4-FFF2-40B4-BE49-F238E27FC236}">
+                <a16:creationId xmlns:a16="http://schemas.microsoft.com/office/drawing/2014/main" id="{E4E60637-A94F-4979-A9F5-92915EDE3483}"/>
+              </a:ext>
+            </a:extLst>
+          </p:cNvPr>
+          <p:cNvSpPr txBox="1"/>
+          <p:nvPr/>
+        </p:nvSpPr>
+        <p:spPr>
+          <a:xfrm>
+            <a:off x="96996" y="2388504"/>
+            <a:ext cx="12095004" cy="1015663"/>
+          </a:xfrm>
+          <a:prstGeom prst="rect">
+            <a:avLst/>
+          </a:prstGeom>
+          <a:noFill/>
+        </p:spPr>
+        <p:txBody>
+          <a:bodyPr wrap="square" rtlCol="0">
+            <a:spAutoFit/>
+          </a:bodyPr>
+          <a:lstStyle/>
+          <a:p>
+            <a:pPr algn="ctr"/>
+            <a:r>
+              <a:rPr lang="hy-AM" sz="3000" dirty="0"/>
+              <a:t>Գեներատոր – Տարբերակիչ</a:t>
+            </a:r>
+            <a:r>
+              <a:rPr lang="en-US" sz="3000" dirty="0"/>
+              <a:t> - </a:t>
+            </a:r>
+            <a:r>
+              <a:rPr lang="hy-AM" sz="3000" dirty="0" err="1"/>
+              <a:t>Թաքնավերլուծիչ</a:t>
+            </a:r>
+            <a:r>
+              <a:rPr lang="hy-AM" sz="3000" dirty="0"/>
+              <a:t> </a:t>
+            </a:r>
+            <a:r>
+              <a:rPr lang="hy-AM" sz="3000" dirty="0" err="1"/>
+              <a:t>մինիմաքս</a:t>
+            </a:r>
+            <a:r>
+              <a:rPr lang="hy-AM" sz="3000" dirty="0"/>
+              <a:t> </a:t>
+            </a:r>
+            <a:r>
+              <a:rPr lang="hy-AM" sz="3000" dirty="0" err="1"/>
+              <a:t>ալգորիթմը</a:t>
+            </a:r>
+            <a:r>
+              <a:rPr lang="en-US" sz="3000" dirty="0"/>
+              <a:t>`</a:t>
+            </a:r>
+          </a:p>
+        </p:txBody>
+      </p:sp>
+      <p:sp>
+        <p:nvSpPr>
+          <p:cNvPr id="3" name="Slide Number Placeholder 2">
+            <a:extLst>
+              <a:ext uri="{FF2B5EF4-FFF2-40B4-BE49-F238E27FC236}">
+                <a16:creationId xmlns:a16="http://schemas.microsoft.com/office/drawing/2014/main" id="{4FB12975-F203-451F-A69F-EB19FBA9216F}"/>
+              </a:ext>
+            </a:extLst>
+          </p:cNvPr>
+          <p:cNvSpPr>
+            <a:spLocks noGrp="1"/>
+          </p:cNvSpPr>
+          <p:nvPr>
+            <p:ph type="sldNum" sz="quarter" idx="12"/>
+          </p:nvPr>
+        </p:nvSpPr>
+        <p:spPr/>
+        <p:txBody>
+          <a:bodyPr/>
+          <a:lstStyle/>
+          <a:p>
+            <a:fld id="{D57F1E4F-1CFF-5643-939E-02111984F565}" type="slidenum">
+              <a:rPr lang="en-US" smtClean="0"/>
+              <a:t>12</a:t>
+            </a:fld>
+            <a:endParaRPr lang="en-US" dirty="0"/>
+          </a:p>
+        </p:txBody>
+      </p:sp>
       <mc:AlternateContent xmlns:mc="http://schemas.openxmlformats.org/markup-compatibility/2006">
         <mc:Choice xmlns:a14="http://schemas.microsoft.com/office/drawing/2010/main" Requires="a14">
           <p:sp>
             <p:nvSpPr>
-              <p:cNvPr id="9" name="Rectangle 8">
+              <p:cNvPr id="10" name="Rectangle 9">
                 <a:extLst>
                   <a:ext uri="{FF2B5EF4-FFF2-40B4-BE49-F238E27FC236}">
                     <a16:creationId xmlns:a16="http://schemas.microsoft.com/office/drawing/2014/main" id="{600BC9FF-3959-4E6B-B13B-72215FCF43F4}"/>
@@ -8931,7 +8822,7 @@
             </p:nvSpPr>
             <p:spPr>
               <a:xfrm>
-                <a:off x="96995" y="3928359"/>
+                <a:off x="48498" y="3835446"/>
                 <a:ext cx="12095005" cy="1935786"/>
               </a:xfrm>
               <a:prstGeom prst="rect">
@@ -8945,7 +8836,101 @@
               <a:bodyPr wrap="square">
                 <a:spAutoFit/>
               </a:bodyPr>
-              <a:lstStyle/>
+              <a:lstStyle>
+                <a:defPPr>
+                  <a:defRPr lang="en-US"/>
+                </a:defPPr>
+                <a:lvl1pPr marL="0" algn="l" defTabSz="457200" rtl="0" eaLnBrk="1" latinLnBrk="0" hangingPunct="1">
+                  <a:defRPr sz="1800" kern="1200">
+                    <a:solidFill>
+                      <a:schemeClr val="tx1"/>
+                    </a:solidFill>
+                    <a:latin typeface="+mn-lt"/>
+                    <a:ea typeface="+mn-ea"/>
+                    <a:cs typeface="+mn-cs"/>
+                  </a:defRPr>
+                </a:lvl1pPr>
+                <a:lvl2pPr marL="457200" algn="l" defTabSz="457200" rtl="0" eaLnBrk="1" latinLnBrk="0" hangingPunct="1">
+                  <a:defRPr sz="1800" kern="1200">
+                    <a:solidFill>
+                      <a:schemeClr val="tx1"/>
+                    </a:solidFill>
+                    <a:latin typeface="+mn-lt"/>
+                    <a:ea typeface="+mn-ea"/>
+                    <a:cs typeface="+mn-cs"/>
+                  </a:defRPr>
+                </a:lvl2pPr>
+                <a:lvl3pPr marL="914400" algn="l" defTabSz="457200" rtl="0" eaLnBrk="1" latinLnBrk="0" hangingPunct="1">
+                  <a:defRPr sz="1800" kern="1200">
+                    <a:solidFill>
+                      <a:schemeClr val="tx1"/>
+                    </a:solidFill>
+                    <a:latin typeface="+mn-lt"/>
+                    <a:ea typeface="+mn-ea"/>
+                    <a:cs typeface="+mn-cs"/>
+                  </a:defRPr>
+                </a:lvl3pPr>
+                <a:lvl4pPr marL="1371600" algn="l" defTabSz="457200" rtl="0" eaLnBrk="1" latinLnBrk="0" hangingPunct="1">
+                  <a:defRPr sz="1800" kern="1200">
+                    <a:solidFill>
+                      <a:schemeClr val="tx1"/>
+                    </a:solidFill>
+                    <a:latin typeface="+mn-lt"/>
+                    <a:ea typeface="+mn-ea"/>
+                    <a:cs typeface="+mn-cs"/>
+                  </a:defRPr>
+                </a:lvl4pPr>
+                <a:lvl5pPr marL="1828800" algn="l" defTabSz="457200" rtl="0" eaLnBrk="1" latinLnBrk="0" hangingPunct="1">
+                  <a:defRPr sz="1800" kern="1200">
+                    <a:solidFill>
+                      <a:schemeClr val="tx1"/>
+                    </a:solidFill>
+                    <a:latin typeface="+mn-lt"/>
+                    <a:ea typeface="+mn-ea"/>
+                    <a:cs typeface="+mn-cs"/>
+                  </a:defRPr>
+                </a:lvl5pPr>
+                <a:lvl6pPr marL="2286000" algn="l" defTabSz="457200" rtl="0" eaLnBrk="1" latinLnBrk="0" hangingPunct="1">
+                  <a:defRPr sz="1800" kern="1200">
+                    <a:solidFill>
+                      <a:schemeClr val="tx1"/>
+                    </a:solidFill>
+                    <a:latin typeface="+mn-lt"/>
+                    <a:ea typeface="+mn-ea"/>
+                    <a:cs typeface="+mn-cs"/>
+                  </a:defRPr>
+                </a:lvl6pPr>
+                <a:lvl7pPr marL="2743200" algn="l" defTabSz="457200" rtl="0" eaLnBrk="1" latinLnBrk="0" hangingPunct="1">
+                  <a:defRPr sz="1800" kern="1200">
+                    <a:solidFill>
+                      <a:schemeClr val="tx1"/>
+                    </a:solidFill>
+                    <a:latin typeface="+mn-lt"/>
+                    <a:ea typeface="+mn-ea"/>
+                    <a:cs typeface="+mn-cs"/>
+                  </a:defRPr>
+                </a:lvl7pPr>
+                <a:lvl8pPr marL="3200400" algn="l" defTabSz="457200" rtl="0" eaLnBrk="1" latinLnBrk="0" hangingPunct="1">
+                  <a:defRPr sz="1800" kern="1200">
+                    <a:solidFill>
+                      <a:schemeClr val="tx1"/>
+                    </a:solidFill>
+                    <a:latin typeface="+mn-lt"/>
+                    <a:ea typeface="+mn-ea"/>
+                    <a:cs typeface="+mn-cs"/>
+                  </a:defRPr>
+                </a:lvl8pPr>
+                <a:lvl9pPr marL="3657600" algn="l" defTabSz="457200" rtl="0" eaLnBrk="1" latinLnBrk="0" hangingPunct="1">
+                  <a:defRPr sz="1800" kern="1200">
+                    <a:solidFill>
+                      <a:schemeClr val="tx1"/>
+                    </a:solidFill>
+                    <a:latin typeface="+mn-lt"/>
+                    <a:ea typeface="+mn-ea"/>
+                    <a:cs typeface="+mn-cs"/>
+                  </a:defRPr>
+                </a:lvl9pPr>
+              </a:lstStyle>
               <a:p>
                 <a:pPr/>
                 <a14:m>
@@ -9669,7 +9654,7 @@
         <mc:Fallback>
           <p:sp>
             <p:nvSpPr>
-              <p:cNvPr id="9" name="Rectangle 8">
+              <p:cNvPr id="10" name="Rectangle 9">
                 <a:extLst>
                   <a:ext uri="{FF2B5EF4-FFF2-40B4-BE49-F238E27FC236}">
                     <a16:creationId xmlns:a16="http://schemas.microsoft.com/office/drawing/2014/main" id="{600BC9FF-3959-4E6B-B13B-72215FCF43F4}"/>
@@ -9683,7 +9668,7 @@
             </p:nvSpPr>
             <p:spPr>
               <a:xfrm>
-                <a:off x="96995" y="3928359"/>
+                <a:off x="48498" y="3835446"/>
                 <a:ext cx="12095005" cy="1935786"/>
               </a:xfrm>
               <a:prstGeom prst="rect">
@@ -9716,71 +9701,7 @@
       </mc:AlternateContent>
       <p:sp>
         <p:nvSpPr>
-          <p:cNvPr id="15" name="TextBox 14">
-            <a:extLst>
-              <a:ext uri="{FF2B5EF4-FFF2-40B4-BE49-F238E27FC236}">
-                <a16:creationId xmlns:a16="http://schemas.microsoft.com/office/drawing/2014/main" id="{E4E60637-A94F-4979-A9F5-92915EDE3483}"/>
-              </a:ext>
-            </a:extLst>
-          </p:cNvPr>
-          <p:cNvSpPr txBox="1"/>
-          <p:nvPr/>
-        </p:nvSpPr>
-        <p:spPr>
-          <a:xfrm>
-            <a:off x="96996" y="2388504"/>
-            <a:ext cx="12095004" cy="1015663"/>
-          </a:xfrm>
-          <a:prstGeom prst="rect">
-            <a:avLst/>
-          </a:prstGeom>
-          <a:noFill/>
-        </p:spPr>
-        <p:txBody>
-          <a:bodyPr wrap="square" rtlCol="0">
-            <a:spAutoFit/>
-          </a:bodyPr>
-          <a:lstStyle/>
-          <a:p>
-            <a:pPr algn="ctr"/>
-            <a:r>
-              <a:rPr lang="hy-AM" sz="3000" dirty="0"/>
-              <a:t>Գեներատոր – Տարբերակիչ</a:t>
-            </a:r>
-            <a:r>
-              <a:rPr lang="en-US" sz="3000" dirty="0"/>
-              <a:t> - </a:t>
-            </a:r>
-            <a:r>
-              <a:rPr lang="hy-AM" sz="3000" dirty="0" err="1"/>
-              <a:t>Թաքնավերլուծիչ</a:t>
-            </a:r>
-            <a:r>
-              <a:rPr lang="hy-AM" sz="3000" dirty="0"/>
-              <a:t> </a:t>
-            </a:r>
-            <a:r>
-              <a:rPr lang="hy-AM" sz="3000" dirty="0" err="1"/>
-              <a:t>մինիմաքս</a:t>
-            </a:r>
-            <a:r>
-              <a:rPr lang="hy-AM" sz="3000" dirty="0"/>
-              <a:t> </a:t>
-            </a:r>
-            <a:r>
-              <a:rPr lang="hy-AM" sz="3000" dirty="0" err="1"/>
-              <a:t>ալգորիթմը</a:t>
-            </a:r>
-            <a:r>
-              <a:rPr lang="en-US" sz="3000" dirty="0"/>
-              <a:t>`</a:t>
-            </a:r>
-          </a:p>
-        </p:txBody>
-      </p:sp>
-      <p:sp>
-        <p:nvSpPr>
-          <p:cNvPr id="17" name="TextBox 16">
+          <p:cNvPr id="11" name="TextBox 16">
             <a:extLst>
               <a:ext uri="{FF2B5EF4-FFF2-40B4-BE49-F238E27FC236}">
                 <a16:creationId xmlns:a16="http://schemas.microsoft.com/office/drawing/2014/main" id="{9C95E2DC-D677-4F31-835C-E58B191DDBE6}"/>
@@ -9792,7 +9713,7 @@
         </p:nvSpPr>
         <p:spPr>
           <a:xfrm>
-            <a:off x="1745505" y="5639950"/>
+            <a:off x="1697008" y="5547037"/>
             <a:ext cx="313228" cy="553998"/>
           </a:xfrm>
           <a:prstGeom prst="rect">
@@ -9804,7 +9725,101 @@
           <a:bodyPr wrap="square" rtlCol="0">
             <a:spAutoFit/>
           </a:bodyPr>
-          <a:lstStyle/>
+          <a:lstStyle>
+            <a:defPPr>
+              <a:defRPr lang="en-US"/>
+            </a:defPPr>
+            <a:lvl1pPr marL="0" algn="l" defTabSz="457200" rtl="0" eaLnBrk="1" latinLnBrk="0" hangingPunct="1">
+              <a:defRPr sz="1800" kern="1200">
+                <a:solidFill>
+                  <a:schemeClr val="tx1"/>
+                </a:solidFill>
+                <a:latin typeface="+mn-lt"/>
+                <a:ea typeface="+mn-ea"/>
+                <a:cs typeface="+mn-cs"/>
+              </a:defRPr>
+            </a:lvl1pPr>
+            <a:lvl2pPr marL="457200" algn="l" defTabSz="457200" rtl="0" eaLnBrk="1" latinLnBrk="0" hangingPunct="1">
+              <a:defRPr sz="1800" kern="1200">
+                <a:solidFill>
+                  <a:schemeClr val="tx1"/>
+                </a:solidFill>
+                <a:latin typeface="+mn-lt"/>
+                <a:ea typeface="+mn-ea"/>
+                <a:cs typeface="+mn-cs"/>
+              </a:defRPr>
+            </a:lvl2pPr>
+            <a:lvl3pPr marL="914400" algn="l" defTabSz="457200" rtl="0" eaLnBrk="1" latinLnBrk="0" hangingPunct="1">
+              <a:defRPr sz="1800" kern="1200">
+                <a:solidFill>
+                  <a:schemeClr val="tx1"/>
+                </a:solidFill>
+                <a:latin typeface="+mn-lt"/>
+                <a:ea typeface="+mn-ea"/>
+                <a:cs typeface="+mn-cs"/>
+              </a:defRPr>
+            </a:lvl3pPr>
+            <a:lvl4pPr marL="1371600" algn="l" defTabSz="457200" rtl="0" eaLnBrk="1" latinLnBrk="0" hangingPunct="1">
+              <a:defRPr sz="1800" kern="1200">
+                <a:solidFill>
+                  <a:schemeClr val="tx1"/>
+                </a:solidFill>
+                <a:latin typeface="+mn-lt"/>
+                <a:ea typeface="+mn-ea"/>
+                <a:cs typeface="+mn-cs"/>
+              </a:defRPr>
+            </a:lvl4pPr>
+            <a:lvl5pPr marL="1828800" algn="l" defTabSz="457200" rtl="0" eaLnBrk="1" latinLnBrk="0" hangingPunct="1">
+              <a:defRPr sz="1800" kern="1200">
+                <a:solidFill>
+                  <a:schemeClr val="tx1"/>
+                </a:solidFill>
+                <a:latin typeface="+mn-lt"/>
+                <a:ea typeface="+mn-ea"/>
+                <a:cs typeface="+mn-cs"/>
+              </a:defRPr>
+            </a:lvl5pPr>
+            <a:lvl6pPr marL="2286000" algn="l" defTabSz="457200" rtl="0" eaLnBrk="1" latinLnBrk="0" hangingPunct="1">
+              <a:defRPr sz="1800" kern="1200">
+                <a:solidFill>
+                  <a:schemeClr val="tx1"/>
+                </a:solidFill>
+                <a:latin typeface="+mn-lt"/>
+                <a:ea typeface="+mn-ea"/>
+                <a:cs typeface="+mn-cs"/>
+              </a:defRPr>
+            </a:lvl6pPr>
+            <a:lvl7pPr marL="2743200" algn="l" defTabSz="457200" rtl="0" eaLnBrk="1" latinLnBrk="0" hangingPunct="1">
+              <a:defRPr sz="1800" kern="1200">
+                <a:solidFill>
+                  <a:schemeClr val="tx1"/>
+                </a:solidFill>
+                <a:latin typeface="+mn-lt"/>
+                <a:ea typeface="+mn-ea"/>
+                <a:cs typeface="+mn-cs"/>
+              </a:defRPr>
+            </a:lvl7pPr>
+            <a:lvl8pPr marL="3200400" algn="l" defTabSz="457200" rtl="0" eaLnBrk="1" latinLnBrk="0" hangingPunct="1">
+              <a:defRPr sz="1800" kern="1200">
+                <a:solidFill>
+                  <a:schemeClr val="tx1"/>
+                </a:solidFill>
+                <a:latin typeface="+mn-lt"/>
+                <a:ea typeface="+mn-ea"/>
+                <a:cs typeface="+mn-cs"/>
+              </a:defRPr>
+            </a:lvl8pPr>
+            <a:lvl9pPr marL="3657600" algn="l" defTabSz="457200" rtl="0" eaLnBrk="1" latinLnBrk="0" hangingPunct="1">
+              <a:defRPr sz="1800" kern="1200">
+                <a:solidFill>
+                  <a:schemeClr val="tx1"/>
+                </a:solidFill>
+                <a:latin typeface="+mn-lt"/>
+                <a:ea typeface="+mn-ea"/>
+                <a:cs typeface="+mn-cs"/>
+              </a:defRPr>
+            </a:lvl9pPr>
+          </a:lstStyle>
           <a:p>
             <a:r>
               <a:rPr lang="en-US" sz="3000" i="1" dirty="0">
@@ -9818,7 +9833,7 @@
       </p:sp>
       <p:sp>
         <p:nvSpPr>
-          <p:cNvPr id="19" name="TextBox 18">
+          <p:cNvPr id="12" name="TextBox 18">
             <a:extLst>
               <a:ext uri="{FF2B5EF4-FFF2-40B4-BE49-F238E27FC236}">
                 <a16:creationId xmlns:a16="http://schemas.microsoft.com/office/drawing/2014/main" id="{B8240E3C-4079-4835-A7F1-D522AEBF53C6}"/>
@@ -9830,7 +9845,7 @@
         </p:nvSpPr>
         <p:spPr>
           <a:xfrm>
-            <a:off x="2490456" y="5628254"/>
+            <a:off x="2441959" y="5535341"/>
             <a:ext cx="313228" cy="553998"/>
           </a:xfrm>
           <a:prstGeom prst="rect">
@@ -9842,7 +9857,101 @@
           <a:bodyPr wrap="square" rtlCol="0">
             <a:spAutoFit/>
           </a:bodyPr>
-          <a:lstStyle/>
+          <a:lstStyle>
+            <a:defPPr>
+              <a:defRPr lang="en-US"/>
+            </a:defPPr>
+            <a:lvl1pPr marL="0" algn="l" defTabSz="457200" rtl="0" eaLnBrk="1" latinLnBrk="0" hangingPunct="1">
+              <a:defRPr sz="1800" kern="1200">
+                <a:solidFill>
+                  <a:schemeClr val="tx1"/>
+                </a:solidFill>
+                <a:latin typeface="+mn-lt"/>
+                <a:ea typeface="+mn-ea"/>
+                <a:cs typeface="+mn-cs"/>
+              </a:defRPr>
+            </a:lvl1pPr>
+            <a:lvl2pPr marL="457200" algn="l" defTabSz="457200" rtl="0" eaLnBrk="1" latinLnBrk="0" hangingPunct="1">
+              <a:defRPr sz="1800" kern="1200">
+                <a:solidFill>
+                  <a:schemeClr val="tx1"/>
+                </a:solidFill>
+                <a:latin typeface="+mn-lt"/>
+                <a:ea typeface="+mn-ea"/>
+                <a:cs typeface="+mn-cs"/>
+              </a:defRPr>
+            </a:lvl2pPr>
+            <a:lvl3pPr marL="914400" algn="l" defTabSz="457200" rtl="0" eaLnBrk="1" latinLnBrk="0" hangingPunct="1">
+              <a:defRPr sz="1800" kern="1200">
+                <a:solidFill>
+                  <a:schemeClr val="tx1"/>
+                </a:solidFill>
+                <a:latin typeface="+mn-lt"/>
+                <a:ea typeface="+mn-ea"/>
+                <a:cs typeface="+mn-cs"/>
+              </a:defRPr>
+            </a:lvl3pPr>
+            <a:lvl4pPr marL="1371600" algn="l" defTabSz="457200" rtl="0" eaLnBrk="1" latinLnBrk="0" hangingPunct="1">
+              <a:defRPr sz="1800" kern="1200">
+                <a:solidFill>
+                  <a:schemeClr val="tx1"/>
+                </a:solidFill>
+                <a:latin typeface="+mn-lt"/>
+                <a:ea typeface="+mn-ea"/>
+                <a:cs typeface="+mn-cs"/>
+              </a:defRPr>
+            </a:lvl4pPr>
+            <a:lvl5pPr marL="1828800" algn="l" defTabSz="457200" rtl="0" eaLnBrk="1" latinLnBrk="0" hangingPunct="1">
+              <a:defRPr sz="1800" kern="1200">
+                <a:solidFill>
+                  <a:schemeClr val="tx1"/>
+                </a:solidFill>
+                <a:latin typeface="+mn-lt"/>
+                <a:ea typeface="+mn-ea"/>
+                <a:cs typeface="+mn-cs"/>
+              </a:defRPr>
+            </a:lvl5pPr>
+            <a:lvl6pPr marL="2286000" algn="l" defTabSz="457200" rtl="0" eaLnBrk="1" latinLnBrk="0" hangingPunct="1">
+              <a:defRPr sz="1800" kern="1200">
+                <a:solidFill>
+                  <a:schemeClr val="tx1"/>
+                </a:solidFill>
+                <a:latin typeface="+mn-lt"/>
+                <a:ea typeface="+mn-ea"/>
+                <a:cs typeface="+mn-cs"/>
+              </a:defRPr>
+            </a:lvl6pPr>
+            <a:lvl7pPr marL="2743200" algn="l" defTabSz="457200" rtl="0" eaLnBrk="1" latinLnBrk="0" hangingPunct="1">
+              <a:defRPr sz="1800" kern="1200">
+                <a:solidFill>
+                  <a:schemeClr val="tx1"/>
+                </a:solidFill>
+                <a:latin typeface="+mn-lt"/>
+                <a:ea typeface="+mn-ea"/>
+                <a:cs typeface="+mn-cs"/>
+              </a:defRPr>
+            </a:lvl7pPr>
+            <a:lvl8pPr marL="3200400" algn="l" defTabSz="457200" rtl="0" eaLnBrk="1" latinLnBrk="0" hangingPunct="1">
+              <a:defRPr sz="1800" kern="1200">
+                <a:solidFill>
+                  <a:schemeClr val="tx1"/>
+                </a:solidFill>
+                <a:latin typeface="+mn-lt"/>
+                <a:ea typeface="+mn-ea"/>
+                <a:cs typeface="+mn-cs"/>
+              </a:defRPr>
+            </a:lvl8pPr>
+            <a:lvl9pPr marL="3657600" algn="l" defTabSz="457200" rtl="0" eaLnBrk="1" latinLnBrk="0" hangingPunct="1">
+              <a:defRPr sz="1800" kern="1200">
+                <a:solidFill>
+                  <a:schemeClr val="tx1"/>
+                </a:solidFill>
+                <a:latin typeface="+mn-lt"/>
+                <a:ea typeface="+mn-ea"/>
+                <a:cs typeface="+mn-cs"/>
+              </a:defRPr>
+            </a:lvl9pPr>
+          </a:lstStyle>
           <a:p>
             <a:r>
               <a:rPr lang="en-US" sz="3000" i="1" dirty="0">
@@ -9856,7 +9965,7 @@
       </p:sp>
       <p:sp>
         <p:nvSpPr>
-          <p:cNvPr id="20" name="TextBox 19">
+          <p:cNvPr id="13" name="TextBox 19">
             <a:extLst>
               <a:ext uri="{FF2B5EF4-FFF2-40B4-BE49-F238E27FC236}">
                 <a16:creationId xmlns:a16="http://schemas.microsoft.com/office/drawing/2014/main" id="{1BD24A1B-B903-4DB2-AEF5-EB7F3E1262E3}"/>
@@ -9868,7 +9977,7 @@
         </p:nvSpPr>
         <p:spPr>
           <a:xfrm>
-            <a:off x="3326847" y="5639950"/>
+            <a:off x="3278350" y="5547037"/>
             <a:ext cx="313228" cy="553998"/>
           </a:xfrm>
           <a:prstGeom prst="rect">
@@ -9880,7 +9989,101 @@
           <a:bodyPr wrap="square" rtlCol="0">
             <a:spAutoFit/>
           </a:bodyPr>
-          <a:lstStyle/>
+          <a:lstStyle>
+            <a:defPPr>
+              <a:defRPr lang="en-US"/>
+            </a:defPPr>
+            <a:lvl1pPr marL="0" algn="l" defTabSz="457200" rtl="0" eaLnBrk="1" latinLnBrk="0" hangingPunct="1">
+              <a:defRPr sz="1800" kern="1200">
+                <a:solidFill>
+                  <a:schemeClr val="tx1"/>
+                </a:solidFill>
+                <a:latin typeface="+mn-lt"/>
+                <a:ea typeface="+mn-ea"/>
+                <a:cs typeface="+mn-cs"/>
+              </a:defRPr>
+            </a:lvl1pPr>
+            <a:lvl2pPr marL="457200" algn="l" defTabSz="457200" rtl="0" eaLnBrk="1" latinLnBrk="0" hangingPunct="1">
+              <a:defRPr sz="1800" kern="1200">
+                <a:solidFill>
+                  <a:schemeClr val="tx1"/>
+                </a:solidFill>
+                <a:latin typeface="+mn-lt"/>
+                <a:ea typeface="+mn-ea"/>
+                <a:cs typeface="+mn-cs"/>
+              </a:defRPr>
+            </a:lvl2pPr>
+            <a:lvl3pPr marL="914400" algn="l" defTabSz="457200" rtl="0" eaLnBrk="1" latinLnBrk="0" hangingPunct="1">
+              <a:defRPr sz="1800" kern="1200">
+                <a:solidFill>
+                  <a:schemeClr val="tx1"/>
+                </a:solidFill>
+                <a:latin typeface="+mn-lt"/>
+                <a:ea typeface="+mn-ea"/>
+                <a:cs typeface="+mn-cs"/>
+              </a:defRPr>
+            </a:lvl3pPr>
+            <a:lvl4pPr marL="1371600" algn="l" defTabSz="457200" rtl="0" eaLnBrk="1" latinLnBrk="0" hangingPunct="1">
+              <a:defRPr sz="1800" kern="1200">
+                <a:solidFill>
+                  <a:schemeClr val="tx1"/>
+                </a:solidFill>
+                <a:latin typeface="+mn-lt"/>
+                <a:ea typeface="+mn-ea"/>
+                <a:cs typeface="+mn-cs"/>
+              </a:defRPr>
+            </a:lvl4pPr>
+            <a:lvl5pPr marL="1828800" algn="l" defTabSz="457200" rtl="0" eaLnBrk="1" latinLnBrk="0" hangingPunct="1">
+              <a:defRPr sz="1800" kern="1200">
+                <a:solidFill>
+                  <a:schemeClr val="tx1"/>
+                </a:solidFill>
+                <a:latin typeface="+mn-lt"/>
+                <a:ea typeface="+mn-ea"/>
+                <a:cs typeface="+mn-cs"/>
+              </a:defRPr>
+            </a:lvl5pPr>
+            <a:lvl6pPr marL="2286000" algn="l" defTabSz="457200" rtl="0" eaLnBrk="1" latinLnBrk="0" hangingPunct="1">
+              <a:defRPr sz="1800" kern="1200">
+                <a:solidFill>
+                  <a:schemeClr val="tx1"/>
+                </a:solidFill>
+                <a:latin typeface="+mn-lt"/>
+                <a:ea typeface="+mn-ea"/>
+                <a:cs typeface="+mn-cs"/>
+              </a:defRPr>
+            </a:lvl6pPr>
+            <a:lvl7pPr marL="2743200" algn="l" defTabSz="457200" rtl="0" eaLnBrk="1" latinLnBrk="0" hangingPunct="1">
+              <a:defRPr sz="1800" kern="1200">
+                <a:solidFill>
+                  <a:schemeClr val="tx1"/>
+                </a:solidFill>
+                <a:latin typeface="+mn-lt"/>
+                <a:ea typeface="+mn-ea"/>
+                <a:cs typeface="+mn-cs"/>
+              </a:defRPr>
+            </a:lvl7pPr>
+            <a:lvl8pPr marL="3200400" algn="l" defTabSz="457200" rtl="0" eaLnBrk="1" latinLnBrk="0" hangingPunct="1">
+              <a:defRPr sz="1800" kern="1200">
+                <a:solidFill>
+                  <a:schemeClr val="tx1"/>
+                </a:solidFill>
+                <a:latin typeface="+mn-lt"/>
+                <a:ea typeface="+mn-ea"/>
+                <a:cs typeface="+mn-cs"/>
+              </a:defRPr>
+            </a:lvl8pPr>
+            <a:lvl9pPr marL="3657600" algn="l" defTabSz="457200" rtl="0" eaLnBrk="1" latinLnBrk="0" hangingPunct="1">
+              <a:defRPr sz="1800" kern="1200">
+                <a:solidFill>
+                  <a:schemeClr val="tx1"/>
+                </a:solidFill>
+                <a:latin typeface="+mn-lt"/>
+                <a:ea typeface="+mn-ea"/>
+                <a:cs typeface="+mn-cs"/>
+              </a:defRPr>
+            </a:lvl9pPr>
+          </a:lstStyle>
           <a:p>
             <a:r>
               <a:rPr lang="en-US" sz="3000" i="1" dirty="0">
@@ -9889,35 +10092,6 @@
               </a:rPr>
               <a:t>S</a:t>
             </a:r>
-          </a:p>
-        </p:txBody>
-      </p:sp>
-      <p:sp>
-        <p:nvSpPr>
-          <p:cNvPr id="3" name="Slide Number Placeholder 2">
-            <a:extLst>
-              <a:ext uri="{FF2B5EF4-FFF2-40B4-BE49-F238E27FC236}">
-                <a16:creationId xmlns:a16="http://schemas.microsoft.com/office/drawing/2014/main" id="{4FB12975-F203-451F-A69F-EB19FBA9216F}"/>
-              </a:ext>
-            </a:extLst>
-          </p:cNvPr>
-          <p:cNvSpPr>
-            <a:spLocks noGrp="1"/>
-          </p:cNvSpPr>
-          <p:nvPr>
-            <p:ph type="sldNum" sz="quarter" idx="12"/>
-          </p:nvPr>
-        </p:nvSpPr>
-        <p:spPr/>
-        <p:txBody>
-          <a:bodyPr/>
-          <a:lstStyle/>
-          <a:p>
-            <a:fld id="{D57F1E4F-1CFF-5643-939E-02111984F565}" type="slidenum">
-              <a:rPr lang="en-US" smtClean="0"/>
-              <a:t>12</a:t>
-            </a:fld>
-            <a:endParaRPr lang="en-US" dirty="0"/>
           </a:p>
         </p:txBody>
       </p:sp>
@@ -10289,6 +10463,11 @@
             <a:avLst/>
           </a:prstGeom>
           <a:ln w="76200">
+            <a:solidFill>
+              <a:schemeClr val="tx1">
+                <a:lumMod val="95000"/>
+              </a:schemeClr>
+            </a:solidFill>
             <a:headEnd type="none" w="sm" len="sm"/>
             <a:tailEnd type="stealth" w="lg" len="lg"/>
           </a:ln>
@@ -10503,6 +10682,11 @@
             <a:avLst/>
           </a:prstGeom>
           <a:ln w="76200">
+            <a:solidFill>
+              <a:schemeClr val="tx1">
+                <a:lumMod val="95000"/>
+              </a:schemeClr>
+            </a:solidFill>
             <a:headEnd type="none" w="sm" len="sm"/>
             <a:tailEnd type="stealth" w="lg" len="lg"/>
           </a:ln>
@@ -10652,6 +10836,11 @@
             <a:avLst/>
           </a:prstGeom>
           <a:ln w="76200">
+            <a:solidFill>
+              <a:schemeClr val="tx1">
+                <a:lumMod val="95000"/>
+              </a:schemeClr>
+            </a:solidFill>
             <a:headEnd type="none" w="sm" len="sm"/>
             <a:tailEnd type="stealth" w="lg" len="lg"/>
           </a:ln>
@@ -10831,6 +11020,11 @@
             <a:avLst/>
           </a:prstGeom>
           <a:ln w="76200">
+            <a:solidFill>
+              <a:schemeClr val="tx1">
+                <a:lumMod val="95000"/>
+              </a:schemeClr>
+            </a:solidFill>
             <a:headEnd type="none" w="sm" len="sm"/>
             <a:tailEnd type="stealth" w="lg" len="lg"/>
           </a:ln>
@@ -10980,6 +11174,11 @@
             <a:avLst/>
           </a:prstGeom>
           <a:ln w="76200">
+            <a:solidFill>
+              <a:schemeClr val="tx1">
+                <a:lumMod val="95000"/>
+              </a:schemeClr>
+            </a:solidFill>
             <a:headEnd type="none" w="sm" len="sm"/>
             <a:tailEnd type="stealth" w="lg" len="lg"/>
           </a:ln>
@@ -11159,6 +11358,11 @@
             <a:avLst/>
           </a:prstGeom>
           <a:ln w="76200">
+            <a:solidFill>
+              <a:schemeClr val="tx1">
+                <a:lumMod val="95000"/>
+              </a:schemeClr>
+            </a:solidFill>
             <a:headEnd type="none" w="sm" len="sm"/>
             <a:tailEnd type="stealth" w="lg" len="lg"/>
           </a:ln>
@@ -11308,6 +11512,11 @@
             <a:avLst/>
           </a:prstGeom>
           <a:ln w="76200">
+            <a:solidFill>
+              <a:schemeClr val="tx1">
+                <a:lumMod val="95000"/>
+              </a:schemeClr>
+            </a:solidFill>
             <a:headEnd type="none" w="sm" len="sm"/>
             <a:tailEnd type="stealth" w="lg" len="lg"/>
           </a:ln>
@@ -11426,6 +11635,11 @@
             <a:avLst/>
           </a:prstGeom>
           <a:ln w="76200">
+            <a:solidFill>
+              <a:schemeClr val="tx1">
+                <a:lumMod val="95000"/>
+              </a:schemeClr>
+            </a:solidFill>
             <a:headEnd type="none" w="sm" len="sm"/>
             <a:tailEnd type="stealth" w="lg" len="lg"/>
           </a:ln>
@@ -11496,6 +11710,9 @@
                     <p:cTn id="3" fill="hold">
                       <p:stCondLst>
                         <p:cond delay="indefinite"/>
+                        <p:cond evt="onBegin" delay="0">
+                          <p:tn val="2"/>
+                        </p:cond>
                       </p:stCondLst>
                       <p:childTnLst>
                         <p:par>
@@ -11505,7 +11722,7 @@
                             </p:stCondLst>
                             <p:childTnLst>
                               <p:par>
-                                <p:cTn id="5" presetID="1" presetClass="entr" presetSubtype="0" fill="hold" grpId="0" nodeType="clickEffect">
+                                <p:cTn id="5" presetID="1" presetClass="entr" presetSubtype="0" fill="hold" grpId="0" nodeType="withEffect">
                                   <p:stCondLst>
                                     <p:cond delay="0"/>
                                   </p:stCondLst>
@@ -12430,6 +12647,11 @@
             <a:avLst/>
           </a:prstGeom>
           <a:ln w="76200">
+            <a:solidFill>
+              <a:schemeClr val="tx1">
+                <a:lumMod val="95000"/>
+              </a:schemeClr>
+            </a:solidFill>
             <a:headEnd type="none" w="sm" len="sm"/>
             <a:tailEnd type="stealth" w="lg" len="lg"/>
           </a:ln>
@@ -12644,6 +12866,11 @@
             <a:avLst/>
           </a:prstGeom>
           <a:ln w="76200">
+            <a:solidFill>
+              <a:schemeClr val="tx1">
+                <a:lumMod val="95000"/>
+              </a:schemeClr>
+            </a:solidFill>
             <a:headEnd type="none" w="sm" len="sm"/>
             <a:tailEnd type="stealth" w="lg" len="lg"/>
           </a:ln>
@@ -12792,6 +13019,11 @@
             <a:avLst/>
           </a:prstGeom>
           <a:ln w="76200">
+            <a:solidFill>
+              <a:schemeClr val="tx1">
+                <a:lumMod val="95000"/>
+              </a:schemeClr>
+            </a:solidFill>
             <a:headEnd type="none" w="sm" len="sm"/>
             <a:tailEnd type="stealth" w="lg" len="lg"/>
           </a:ln>
@@ -13000,6 +13232,11 @@
             <a:avLst/>
           </a:prstGeom>
           <a:ln w="76200">
+            <a:solidFill>
+              <a:schemeClr val="tx1">
+                <a:lumMod val="95000"/>
+              </a:schemeClr>
+            </a:solidFill>
             <a:headEnd type="none" w="sm" len="sm"/>
             <a:tailEnd type="stealth" w="lg" len="lg"/>
           </a:ln>
@@ -13149,6 +13386,11 @@
             <a:avLst/>
           </a:prstGeom>
           <a:ln w="76200">
+            <a:solidFill>
+              <a:schemeClr val="tx1">
+                <a:lumMod val="95000"/>
+              </a:schemeClr>
+            </a:solidFill>
             <a:headEnd type="none" w="sm" len="sm"/>
             <a:tailEnd type="stealth" w="lg" len="lg"/>
           </a:ln>
@@ -13477,8 +13719,8 @@
           </p:sp>
         </mc:Fallback>
       </mc:AlternateContent>
-      <mc:AlternateContent xmlns:mc="http://schemas.openxmlformats.org/markup-compatibility/2006">
-        <mc:Choice xmlns:a14="http://schemas.microsoft.com/office/drawing/2010/main" Requires="a14">
+      <mc:AlternateContent xmlns:mc="http://schemas.openxmlformats.org/markup-compatibility/2006" xmlns:a14="http://schemas.microsoft.com/office/drawing/2010/main">
+        <mc:Choice Requires="a14">
           <p:sp>
             <p:nvSpPr>
               <p:cNvPr id="51" name="TextBox 50">
@@ -13543,7 +13785,7 @@
             </p:txBody>
           </p:sp>
         </mc:Choice>
-        <mc:Fallback>
+        <mc:Fallback xmlns="">
           <p:sp>
             <p:nvSpPr>
               <p:cNvPr id="51" name="TextBox 50">
@@ -13588,8 +13830,8 @@
           </p:sp>
         </mc:Fallback>
       </mc:AlternateContent>
-      <mc:AlternateContent xmlns:mc="http://schemas.openxmlformats.org/markup-compatibility/2006">
-        <mc:Choice xmlns:a14="http://schemas.microsoft.com/office/drawing/2010/main" Requires="a14">
+      <mc:AlternateContent xmlns:mc="http://schemas.openxmlformats.org/markup-compatibility/2006" xmlns:a14="http://schemas.microsoft.com/office/drawing/2010/main">
+        <mc:Choice Requires="a14">
           <p:sp>
             <p:nvSpPr>
               <p:cNvPr id="52" name="TextBox 51">
@@ -13654,7 +13896,7 @@
             </p:txBody>
           </p:sp>
         </mc:Choice>
-        <mc:Fallback>
+        <mc:Fallback xmlns="">
           <p:sp>
             <p:nvSpPr>
               <p:cNvPr id="52" name="TextBox 51">
@@ -13721,6 +13963,9 @@
                     <p:cTn id="3" fill="hold">
                       <p:stCondLst>
                         <p:cond delay="indefinite"/>
+                        <p:cond evt="onBegin" delay="0">
+                          <p:tn val="2"/>
+                        </p:cond>
                       </p:stCondLst>
                       <p:childTnLst>
                         <p:par>
@@ -13730,7 +13975,7 @@
                             </p:stCondLst>
                             <p:childTnLst>
                               <p:par>
-                                <p:cTn id="5" presetID="1" presetClass="entr" presetSubtype="0" fill="hold" grpId="0" nodeType="clickEffect">
+                                <p:cTn id="5" presetID="1" presetClass="entr" presetSubtype="0" fill="hold" grpId="0" nodeType="withEffect">
                                   <p:stCondLst>
                                     <p:cond delay="0"/>
                                   </p:stCondLst>
@@ -14734,6 +14979,11 @@
             <a:avLst/>
           </a:prstGeom>
           <a:ln w="76200">
+            <a:solidFill>
+              <a:schemeClr val="tx1">
+                <a:lumMod val="95000"/>
+              </a:schemeClr>
+            </a:solidFill>
             <a:headEnd type="none" w="sm" len="sm"/>
             <a:tailEnd type="stealth" w="lg" len="lg"/>
           </a:ln>
@@ -14764,14 +15014,12 @@
           </p:cNvPr>
           <p:cNvCxnSpPr>
             <a:cxnSpLocks/>
-            <a:stCxn id="5" idx="2"/>
-            <a:endCxn id="6" idx="0"/>
           </p:cNvCxnSpPr>
           <p:nvPr/>
         </p:nvCxnSpPr>
         <p:spPr>
           <a:xfrm rot="5400000">
-            <a:off x="4553817" y="665148"/>
+            <a:off x="4553817" y="665149"/>
             <a:ext cx="1538388" cy="5654921"/>
           </a:xfrm>
           <a:prstGeom prst="bentConnector3">
@@ -14780,6 +15028,11 @@
             </a:avLst>
           </a:prstGeom>
           <a:ln w="76200">
+            <a:solidFill>
+              <a:schemeClr val="tx1">
+                <a:lumMod val="95000"/>
+              </a:schemeClr>
+            </a:solidFill>
             <a:headEnd type="none" w="sm" len="sm"/>
             <a:tailEnd type="stealth" w="lg" len="lg"/>
           </a:ln>
@@ -14824,6 +15077,11 @@
             <a:avLst/>
           </a:prstGeom>
           <a:ln w="76200">
+            <a:solidFill>
+              <a:schemeClr val="tx1">
+                <a:lumMod val="95000"/>
+              </a:schemeClr>
+            </a:solidFill>
             <a:headEnd type="none" w="sm" len="sm"/>
             <a:tailEnd type="stealth" w="lg" len="lg"/>
           </a:ln>
@@ -14906,7 +15164,7 @@
                             </p:stCondLst>
                             <p:childTnLst>
                               <p:par>
-                                <p:cTn id="5" presetID="12" presetClass="entr" presetSubtype="8" fill="hold" grpId="0" nodeType="afterEffect">
+                                <p:cTn id="5" presetID="10" presetClass="entr" presetSubtype="0" fill="hold" grpId="0" nodeType="withEffect">
                                   <p:stCondLst>
                                     <p:cond delay="0"/>
                                   </p:stCondLst>
@@ -14929,32 +15187,9 @@
                                         <p:strVal val="visible"/>
                                       </p:to>
                                     </p:set>
-                                    <p:anim calcmode="lin" valueType="num">
-                                      <p:cBhvr additive="base">
-                                        <p:cTn id="7" dur="200"/>
-                                        <p:tgtEl>
-                                          <p:spTgt spid="4"/>
-                                        </p:tgtEl>
-                                        <p:attrNameLst>
-                                          <p:attrName>ppt_x</p:attrName>
-                                        </p:attrNameLst>
-                                      </p:cBhvr>
-                                      <p:tavLst>
-                                        <p:tav tm="0">
-                                          <p:val>
-                                            <p:strVal val="#ppt_x-#ppt_w*1.125000"/>
-                                          </p:val>
-                                        </p:tav>
-                                        <p:tav tm="100000">
-                                          <p:val>
-                                            <p:strVal val="#ppt_x"/>
-                                          </p:val>
-                                        </p:tav>
-                                      </p:tavLst>
-                                    </p:anim>
-                                    <p:animEffect transition="in" filter="wipe(right)">
+                                    <p:animEffect transition="in" filter="fade">
                                       <p:cBhvr>
-                                        <p:cTn id="8" dur="200"/>
+                                        <p:cTn id="7" dur="500"/>
                                         <p:tgtEl>
                                           <p:spTgt spid="4"/>
                                         </p:tgtEl>
@@ -14967,20 +15202,20 @@
                           </p:cTn>
                         </p:par>
                         <p:par>
-                          <p:cTn id="9" fill="hold">
+                          <p:cTn id="8" fill="hold">
                             <p:stCondLst>
-                              <p:cond delay="200"/>
+                              <p:cond delay="500"/>
                             </p:stCondLst>
                             <p:childTnLst>
                               <p:par>
-                                <p:cTn id="10" presetID="12" presetClass="entr" presetSubtype="8" fill="hold" nodeType="afterEffect">
+                                <p:cTn id="9" presetID="10" presetClass="entr" presetSubtype="0" fill="hold" nodeType="afterEffect">
                                   <p:stCondLst>
                                     <p:cond delay="0"/>
                                   </p:stCondLst>
                                   <p:childTnLst>
                                     <p:set>
                                       <p:cBhvr>
-                                        <p:cTn id="11" dur="1" fill="hold">
+                                        <p:cTn id="10" dur="1" fill="hold">
                                           <p:stCondLst>
                                             <p:cond delay="0"/>
                                           </p:stCondLst>
@@ -14996,32 +15231,9 @@
                                         <p:strVal val="visible"/>
                                       </p:to>
                                     </p:set>
-                                    <p:anim calcmode="lin" valueType="num">
-                                      <p:cBhvr additive="base">
-                                        <p:cTn id="12" dur="200"/>
-                                        <p:tgtEl>
-                                          <p:spTgt spid="8"/>
-                                        </p:tgtEl>
-                                        <p:attrNameLst>
-                                          <p:attrName>ppt_x</p:attrName>
-                                        </p:attrNameLst>
-                                      </p:cBhvr>
-                                      <p:tavLst>
-                                        <p:tav tm="0">
-                                          <p:val>
-                                            <p:strVal val="#ppt_x-#ppt_w*1.125000"/>
-                                          </p:val>
-                                        </p:tav>
-                                        <p:tav tm="100000">
-                                          <p:val>
-                                            <p:strVal val="#ppt_x"/>
-                                          </p:val>
-                                        </p:tav>
-                                      </p:tavLst>
-                                    </p:anim>
-                                    <p:animEffect transition="in" filter="wipe(right)">
+                                    <p:animEffect transition="in" filter="fade">
                                       <p:cBhvr>
-                                        <p:cTn id="13" dur="200"/>
+                                        <p:cTn id="11" dur="500"/>
                                         <p:tgtEl>
                                           <p:spTgt spid="8"/>
                                         </p:tgtEl>
@@ -15030,24 +15242,15 @@
                                   </p:childTnLst>
                                 </p:cTn>
                               </p:par>
-                            </p:childTnLst>
-                          </p:cTn>
-                        </p:par>
-                        <p:par>
-                          <p:cTn id="14" fill="hold">
-                            <p:stCondLst>
-                              <p:cond delay="400"/>
-                            </p:stCondLst>
-                            <p:childTnLst>
                               <p:par>
-                                <p:cTn id="15" presetID="12" presetClass="entr" presetSubtype="1" fill="hold" grpId="0" nodeType="afterEffect">
+                                <p:cTn id="12" presetID="10" presetClass="entr" presetSubtype="0" fill="hold" grpId="0" nodeType="withEffect">
                                   <p:stCondLst>
                                     <p:cond delay="0"/>
                                   </p:stCondLst>
                                   <p:childTnLst>
                                     <p:set>
                                       <p:cBhvr>
-                                        <p:cTn id="16" dur="1" fill="hold">
+                                        <p:cTn id="13" dur="1" fill="hold">
                                           <p:stCondLst>
                                             <p:cond delay="0"/>
                                           </p:stCondLst>
@@ -15063,32 +15266,9 @@
                                         <p:strVal val="visible"/>
                                       </p:to>
                                     </p:set>
-                                    <p:anim calcmode="lin" valueType="num">
-                                      <p:cBhvr additive="base">
-                                        <p:cTn id="17" dur="200"/>
-                                        <p:tgtEl>
-                                          <p:spTgt spid="5"/>
-                                        </p:tgtEl>
-                                        <p:attrNameLst>
-                                          <p:attrName>ppt_y</p:attrName>
-                                        </p:attrNameLst>
-                                      </p:cBhvr>
-                                      <p:tavLst>
-                                        <p:tav tm="0">
-                                          <p:val>
-                                            <p:strVal val="#ppt_y-#ppt_h*1.125000"/>
-                                          </p:val>
-                                        </p:tav>
-                                        <p:tav tm="100000">
-                                          <p:val>
-                                            <p:strVal val="#ppt_y"/>
-                                          </p:val>
-                                        </p:tav>
-                                      </p:tavLst>
-                                    </p:anim>
-                                    <p:animEffect transition="in" filter="wipe(down)">
+                                    <p:animEffect transition="in" filter="fade">
                                       <p:cBhvr>
-                                        <p:cTn id="18" dur="200"/>
+                                        <p:cTn id="14" dur="500"/>
                                         <p:tgtEl>
                                           <p:spTgt spid="5"/>
                                         </p:tgtEl>
@@ -15101,20 +15281,20 @@
                           </p:cTn>
                         </p:par>
                         <p:par>
-                          <p:cTn id="19" fill="hold">
+                          <p:cTn id="15" fill="hold">
                             <p:stCondLst>
-                              <p:cond delay="600"/>
+                              <p:cond delay="1000"/>
                             </p:stCondLst>
                             <p:childTnLst>
                               <p:par>
-                                <p:cTn id="20" presetID="12" presetClass="entr" presetSubtype="2" fill="hold" nodeType="afterEffect">
+                                <p:cTn id="16" presetID="10" presetClass="entr" presetSubtype="0" fill="hold" nodeType="afterEffect">
                                   <p:stCondLst>
                                     <p:cond delay="0"/>
                                   </p:stCondLst>
                                   <p:childTnLst>
                                     <p:set>
                                       <p:cBhvr>
-                                        <p:cTn id="21" dur="1" fill="hold">
+                                        <p:cTn id="17" dur="1" fill="hold">
                                           <p:stCondLst>
                                             <p:cond delay="0"/>
                                           </p:stCondLst>
@@ -15130,32 +15310,9 @@
                                         <p:strVal val="visible"/>
                                       </p:to>
                                     </p:set>
-                                    <p:anim calcmode="lin" valueType="num">
-                                      <p:cBhvr additive="base">
-                                        <p:cTn id="22" dur="200"/>
-                                        <p:tgtEl>
-                                          <p:spTgt spid="11"/>
-                                        </p:tgtEl>
-                                        <p:attrNameLst>
-                                          <p:attrName>ppt_x</p:attrName>
-                                        </p:attrNameLst>
-                                      </p:cBhvr>
-                                      <p:tavLst>
-                                        <p:tav tm="0">
-                                          <p:val>
-                                            <p:strVal val="#ppt_x+#ppt_w*1.125000"/>
-                                          </p:val>
-                                        </p:tav>
-                                        <p:tav tm="100000">
-                                          <p:val>
-                                            <p:strVal val="#ppt_x"/>
-                                          </p:val>
-                                        </p:tav>
-                                      </p:tavLst>
-                                    </p:anim>
-                                    <p:animEffect transition="in" filter="wipe(left)">
+                                    <p:animEffect transition="in" filter="fade">
                                       <p:cBhvr>
-                                        <p:cTn id="23" dur="200"/>
+                                        <p:cTn id="18" dur="500"/>
                                         <p:tgtEl>
                                           <p:spTgt spid="11"/>
                                         </p:tgtEl>
@@ -15164,24 +15321,15 @@
                                   </p:childTnLst>
                                 </p:cTn>
                               </p:par>
-                            </p:childTnLst>
-                          </p:cTn>
-                        </p:par>
-                        <p:par>
-                          <p:cTn id="24" fill="hold">
-                            <p:stCondLst>
-                              <p:cond delay="800"/>
-                            </p:stCondLst>
-                            <p:childTnLst>
                               <p:par>
-                                <p:cTn id="25" presetID="12" presetClass="entr" presetSubtype="8" fill="hold" grpId="0" nodeType="afterEffect">
+                                <p:cTn id="19" presetID="10" presetClass="entr" presetSubtype="0" fill="hold" grpId="0" nodeType="withEffect">
                                   <p:stCondLst>
                                     <p:cond delay="0"/>
                                   </p:stCondLst>
                                   <p:childTnLst>
                                     <p:set>
                                       <p:cBhvr>
-                                        <p:cTn id="26" dur="1" fill="hold">
+                                        <p:cTn id="20" dur="1" fill="hold">
                                           <p:stCondLst>
                                             <p:cond delay="0"/>
                                           </p:stCondLst>
@@ -15197,32 +15345,9 @@
                                         <p:strVal val="visible"/>
                                       </p:to>
                                     </p:set>
-                                    <p:anim calcmode="lin" valueType="num">
-                                      <p:cBhvr additive="base">
-                                        <p:cTn id="27" dur="200"/>
-                                        <p:tgtEl>
-                                          <p:spTgt spid="6"/>
-                                        </p:tgtEl>
-                                        <p:attrNameLst>
-                                          <p:attrName>ppt_x</p:attrName>
-                                        </p:attrNameLst>
-                                      </p:cBhvr>
-                                      <p:tavLst>
-                                        <p:tav tm="0">
-                                          <p:val>
-                                            <p:strVal val="#ppt_x-#ppt_w*1.125000"/>
-                                          </p:val>
-                                        </p:tav>
-                                        <p:tav tm="100000">
-                                          <p:val>
-                                            <p:strVal val="#ppt_x"/>
-                                          </p:val>
-                                        </p:tav>
-                                      </p:tavLst>
-                                    </p:anim>
-                                    <p:animEffect transition="in" filter="wipe(right)">
+                                    <p:animEffect transition="in" filter="fade">
                                       <p:cBhvr>
-                                        <p:cTn id="28" dur="200"/>
+                                        <p:cTn id="21" dur="500"/>
                                         <p:tgtEl>
                                           <p:spTgt spid="6"/>
                                         </p:tgtEl>
@@ -15235,20 +15360,20 @@
                           </p:cTn>
                         </p:par>
                         <p:par>
-                          <p:cTn id="29" fill="hold">
+                          <p:cTn id="22" fill="hold">
                             <p:stCondLst>
-                              <p:cond delay="1000"/>
+                              <p:cond delay="1500"/>
                             </p:stCondLst>
                             <p:childTnLst>
                               <p:par>
-                                <p:cTn id="30" presetID="12" presetClass="entr" presetSubtype="8" fill="hold" nodeType="afterEffect">
+                                <p:cTn id="23" presetID="10" presetClass="entr" presetSubtype="0" fill="hold" nodeType="afterEffect">
                                   <p:stCondLst>
                                     <p:cond delay="0"/>
                                   </p:stCondLst>
                                   <p:childTnLst>
                                     <p:set>
                                       <p:cBhvr>
-                                        <p:cTn id="31" dur="1" fill="hold">
+                                        <p:cTn id="24" dur="1" fill="hold">
                                           <p:stCondLst>
                                             <p:cond delay="0"/>
                                           </p:stCondLst>
@@ -15264,32 +15389,9 @@
                                         <p:strVal val="visible"/>
                                       </p:to>
                                     </p:set>
-                                    <p:anim calcmode="lin" valueType="num">
-                                      <p:cBhvr additive="base">
-                                        <p:cTn id="32" dur="200"/>
-                                        <p:tgtEl>
-                                          <p:spTgt spid="14"/>
-                                        </p:tgtEl>
-                                        <p:attrNameLst>
-                                          <p:attrName>ppt_x</p:attrName>
-                                        </p:attrNameLst>
-                                      </p:cBhvr>
-                                      <p:tavLst>
-                                        <p:tav tm="0">
-                                          <p:val>
-                                            <p:strVal val="#ppt_x-#ppt_w*1.125000"/>
-                                          </p:val>
-                                        </p:tav>
-                                        <p:tav tm="100000">
-                                          <p:val>
-                                            <p:strVal val="#ppt_x"/>
-                                          </p:val>
-                                        </p:tav>
-                                      </p:tavLst>
-                                    </p:anim>
-                                    <p:animEffect transition="in" filter="wipe(right)">
+                                    <p:animEffect transition="in" filter="fade">
                                       <p:cBhvr>
-                                        <p:cTn id="33" dur="200"/>
+                                        <p:cTn id="25" dur="500"/>
                                         <p:tgtEl>
                                           <p:spTgt spid="14"/>
                                         </p:tgtEl>
@@ -15298,24 +15400,15 @@
                                   </p:childTnLst>
                                 </p:cTn>
                               </p:par>
-                            </p:childTnLst>
-                          </p:cTn>
-                        </p:par>
-                        <p:par>
-                          <p:cTn id="34" fill="hold">
-                            <p:stCondLst>
-                              <p:cond delay="1200"/>
-                            </p:stCondLst>
-                            <p:childTnLst>
                               <p:par>
-                                <p:cTn id="35" presetID="12" presetClass="entr" presetSubtype="8" fill="hold" grpId="0" nodeType="afterEffect">
+                                <p:cTn id="26" presetID="10" presetClass="entr" presetSubtype="0" fill="hold" grpId="0" nodeType="withEffect">
                                   <p:stCondLst>
                                     <p:cond delay="0"/>
                                   </p:stCondLst>
                                   <p:childTnLst>
                                     <p:set>
                                       <p:cBhvr>
-                                        <p:cTn id="36" dur="1" fill="hold">
+                                        <p:cTn id="27" dur="1" fill="hold">
                                           <p:stCondLst>
                                             <p:cond delay="0"/>
                                           </p:stCondLst>
@@ -15331,32 +15424,9 @@
                                         <p:strVal val="visible"/>
                                       </p:to>
                                     </p:set>
-                                    <p:anim calcmode="lin" valueType="num">
-                                      <p:cBhvr additive="base">
-                                        <p:cTn id="37" dur="200"/>
-                                        <p:tgtEl>
-                                          <p:spTgt spid="7"/>
-                                        </p:tgtEl>
-                                        <p:attrNameLst>
-                                          <p:attrName>ppt_x</p:attrName>
-                                        </p:attrNameLst>
-                                      </p:cBhvr>
-                                      <p:tavLst>
-                                        <p:tav tm="0">
-                                          <p:val>
-                                            <p:strVal val="#ppt_x-#ppt_w*1.125000"/>
-                                          </p:val>
-                                        </p:tav>
-                                        <p:tav tm="100000">
-                                          <p:val>
-                                            <p:strVal val="#ppt_x"/>
-                                          </p:val>
-                                        </p:tav>
-                                      </p:tavLst>
-                                    </p:anim>
-                                    <p:animEffect transition="in" filter="wipe(right)">
+                                    <p:animEffect transition="in" filter="fade">
                                       <p:cBhvr>
-                                        <p:cTn id="38" dur="200"/>
+                                        <p:cTn id="28" dur="500"/>
                                         <p:tgtEl>
                                           <p:spTgt spid="7"/>
                                         </p:tgtEl>
@@ -15504,7 +15574,7 @@
           <a:p>
             <a:r>
               <a:rPr lang="hy-AM" sz="3000"/>
-              <a:t>Ոչ ճաղատ</a:t>
+              <a:t>Մուգ մազերով</a:t>
             </a:r>
             <a:endParaRPr lang="en-US" sz="3000"/>
           </a:p>
@@ -15533,13 +15603,6 @@
             <a:r>
               <a:rPr lang="hy-AM" sz="3000"/>
               <a:t>Առանց ականջողերի</a:t>
-            </a:r>
-            <a:endParaRPr lang="en-US" sz="3000"/>
-          </a:p>
-          <a:p>
-            <a:r>
-              <a:rPr lang="hy-AM" sz="3000"/>
-              <a:t>Ոչ սպիտակ մազերով</a:t>
             </a:r>
             <a:endParaRPr lang="en-US" sz="3000"/>
           </a:p>
@@ -17231,8 +17294,8 @@
         </p:blipFill>
         <p:spPr>
           <a:xfrm>
-            <a:off x="3017520" y="1599369"/>
-            <a:ext cx="4419381" cy="4405191"/>
+            <a:off x="3017520" y="2035576"/>
+            <a:ext cx="4419381" cy="3532776"/>
           </a:xfrm>
           <a:prstGeom prst="rect">
             <a:avLst/>
@@ -17820,9 +17883,18 @@
           </a:p>
           <a:p>
             <a:r>
-              <a:rPr lang="en-US" sz="3000" dirty="0"/>
-              <a:t>LSB</a:t>
-            </a:r>
+              <a:rPr lang="hy-AM" sz="3000"/>
+              <a:t>Կրտսեր բիթերի</a:t>
+            </a:r>
+            <a:r>
+              <a:rPr lang="en-US" sz="3000"/>
+              <a:t> (LSB) </a:t>
+            </a:r>
+            <a:r>
+              <a:rPr lang="hy-AM" sz="3000"/>
+              <a:t>փոփոխում</a:t>
+            </a:r>
+            <a:endParaRPr lang="en-US" sz="3000" dirty="0"/>
           </a:p>
           <a:p>
             <a:r>
@@ -18204,8 +18276,8 @@
         </p:nvSpPr>
         <p:spPr>
           <a:xfrm>
-            <a:off x="1103313" y="2052918"/>
-            <a:ext cx="10193578" cy="4242374"/>
+            <a:off x="1100129" y="1441343"/>
+            <a:ext cx="10193578" cy="4370522"/>
           </a:xfrm>
         </p:spPr>
         <p:txBody>
@@ -18218,75 +18290,43 @@
               <a:buNone/>
             </a:pPr>
             <a:r>
-              <a:rPr lang="hy-AM" sz="3200" dirty="0"/>
-              <a:t>Ստեղծել </a:t>
-            </a:r>
-            <a:r>
-              <a:rPr lang="hy-AM" sz="3200" dirty="0" err="1"/>
-              <a:t>նեյրոնային</a:t>
-            </a:r>
-            <a:r>
-              <a:rPr lang="hy-AM" sz="3200" dirty="0"/>
-              <a:t> ցանց, որն ունակ կլինի </a:t>
-            </a:r>
-            <a:r>
-              <a:rPr lang="hy-AM" sz="3200" dirty="0" err="1"/>
-              <a:t>գեներացներ</a:t>
-            </a:r>
-            <a:r>
-              <a:rPr lang="hy-AM" sz="3200" dirty="0"/>
-              <a:t> այնպիսի նկար-</a:t>
-            </a:r>
-            <a:r>
-              <a:rPr lang="hy-AM" sz="3200" dirty="0" err="1"/>
-              <a:t>կրիչներ</a:t>
-            </a:r>
-            <a:r>
-              <a:rPr lang="hy-AM" sz="3200" dirty="0"/>
-              <a:t>, որոնք՝ ինֆորմացիա </a:t>
-            </a:r>
-            <a:r>
-              <a:rPr lang="hy-AM" sz="3200" dirty="0" err="1"/>
-              <a:t>թաքնագրելիս</a:t>
-            </a:r>
-            <a:r>
-              <a:rPr lang="hy-AM" sz="3200" dirty="0"/>
-              <a:t>, </a:t>
-            </a:r>
-            <a:r>
-              <a:rPr lang="hy-AM" sz="3200" dirty="0" err="1"/>
-              <a:t>թաքնավերլուծության</a:t>
-            </a:r>
-            <a:r>
-              <a:rPr lang="hy-AM" sz="3200" dirty="0"/>
-              <a:t> ենթարկելը բարդ </a:t>
-            </a:r>
-            <a:r>
-              <a:rPr lang="en-US" sz="3200" dirty="0"/>
-              <a:t>(</a:t>
-            </a:r>
-            <a:r>
-              <a:rPr lang="hy-AM" sz="3200" dirty="0"/>
-              <a:t>լավագույն դեպքում անհնար</a:t>
-            </a:r>
-            <a:r>
-              <a:rPr lang="en-US" sz="3200" dirty="0"/>
-              <a:t>)</a:t>
-            </a:r>
-            <a:r>
-              <a:rPr lang="hy-AM" sz="3200" dirty="0"/>
-              <a:t> կլինի։</a:t>
-            </a:r>
-          </a:p>
-          <a:p>
-            <a:pPr marL="0" indent="0" algn="just">
-              <a:buNone/>
-            </a:pPr>
-            <a:r>
-              <a:rPr lang="hy-AM" sz="3200" dirty="0"/>
-              <a:t>Ստեղծված նկարները պետք է լինեն իրականին մոտ, այսինքն մարդու համար տեսքից անհասկանալի լինի, նկարը իրական է, թե ոչ։</a:t>
-            </a:r>
-            <a:endParaRPr lang="en-US" sz="3200" dirty="0"/>
+              <a:rPr lang="hy-AM" sz="3000"/>
+              <a:t>Ստեղծել և ուսուցանել նեյրոնային ցանցեր՝</a:t>
+            </a:r>
+          </a:p>
+          <a:p>
+            <a:pPr algn="just"/>
+            <a:r>
+              <a:rPr lang="hy-AM" sz="3000" i="1"/>
+              <a:t>գեներատոր, </a:t>
+            </a:r>
+            <a:r>
+              <a:rPr lang="hy-AM" sz="3000"/>
+              <a:t>որն ունակ կլինի գեներացնել այնպիսի նկար-կրիչներ, որոնք կլինեն թաքնակայուն և իրականին մոտ</a:t>
+            </a:r>
+          </a:p>
+          <a:p>
+            <a:pPr algn="just"/>
+            <a:r>
+              <a:rPr lang="hy-AM" sz="3000" i="1"/>
+              <a:t>տարբերակիչ, </a:t>
+            </a:r>
+            <a:r>
+              <a:rPr lang="hy-AM" sz="3000"/>
+              <a:t>որը կդասակարգի իրական և կեղծ նկարները</a:t>
+            </a:r>
+          </a:p>
+          <a:p>
+            <a:pPr algn="just"/>
+            <a:r>
+              <a:rPr lang="hy-AM" sz="3000" i="1"/>
+              <a:t>թաքնավերլուծիչ,</a:t>
+            </a:r>
+            <a:r>
+              <a:rPr lang="hy-AM" sz="3000"/>
+              <a:t> որը կդասակարգի, արդյո՞ք նկարում ինֆորմացիա կա թաքնագրված թե ոչ</a:t>
+            </a:r>
+            <a:endParaRPr lang="en-US" sz="3000" i="1" dirty="0"/>
           </a:p>
         </p:txBody>
       </p:sp>
@@ -18592,7 +18632,12 @@
           <a:prstGeom prst="straightConnector1">
             <a:avLst/>
           </a:prstGeom>
-          <a:ln w="38100">
+          <a:ln w="76200">
+            <a:solidFill>
+              <a:schemeClr val="tx1">
+                <a:lumMod val="95000"/>
+              </a:schemeClr>
+            </a:solidFill>
             <a:headEnd type="none" w="sm" len="sm"/>
             <a:tailEnd type="stealth" w="lg" len="lg"/>
           </a:ln>
@@ -18724,7 +18769,12 @@
           <a:prstGeom prst="straightConnector1">
             <a:avLst/>
           </a:prstGeom>
-          <a:ln w="38100">
+          <a:ln w="76200">
+            <a:solidFill>
+              <a:schemeClr val="tx1">
+                <a:lumMod val="95000"/>
+              </a:schemeClr>
+            </a:solidFill>
             <a:headEnd type="none" w="sm" len="sm"/>
             <a:tailEnd type="stealth" w="lg" len="lg"/>
           </a:ln>
@@ -18766,6 +18816,9 @@
                     <p:cTn id="3" fill="hold">
                       <p:stCondLst>
                         <p:cond delay="indefinite"/>
+                        <p:cond evt="onBegin" delay="0">
+                          <p:tn val="2"/>
+                        </p:cond>
                       </p:stCondLst>
                       <p:childTnLst>
                         <p:par>
@@ -18775,7 +18828,7 @@
                             </p:stCondLst>
                             <p:childTnLst>
                               <p:par>
-                                <p:cTn id="5" presetID="1" presetClass="entr" presetSubtype="0" fill="hold" grpId="0" nodeType="clickEffect">
+                                <p:cTn id="5" presetID="1" presetClass="entr" presetSubtype="0" fill="hold" grpId="0" nodeType="withEffect">
                                   <p:stCondLst>
                                     <p:cond delay="0"/>
                                   </p:stCondLst>
@@ -19204,7 +19257,12 @@
             <a:prstGeom prst="straightConnector1">
               <a:avLst/>
             </a:prstGeom>
-            <a:ln w="38100">
+            <a:ln w="57150">
+              <a:solidFill>
+                <a:schemeClr val="tx1">
+                  <a:lumMod val="95000"/>
+                </a:schemeClr>
+              </a:solidFill>
               <a:headEnd type="none" w="sm" len="sm"/>
               <a:tailEnd type="stealth" w="lg" len="lg"/>
             </a:ln>
@@ -19248,7 +19306,12 @@
             <a:prstGeom prst="straightConnector1">
               <a:avLst/>
             </a:prstGeom>
-            <a:ln w="38100">
+            <a:ln w="57150">
+              <a:solidFill>
+                <a:schemeClr val="tx1">
+                  <a:lumMod val="95000"/>
+                </a:schemeClr>
+              </a:solidFill>
               <a:headEnd type="none" w="sm" len="sm"/>
               <a:tailEnd type="stealth" w="lg" len="lg"/>
             </a:ln>
@@ -19348,7 +19411,7 @@
                     <a:schemeClr val="bg1"/>
                   </a:solidFill>
                 </a:rPr>
-                <a:t>Դասակարգիչ</a:t>
+                <a:t>Տարբերակիչ</a:t>
               </a:r>
               <a:endParaRPr lang="en-US" sz="3000" dirty="0">
                 <a:solidFill>
@@ -19463,7 +19526,12 @@
             <a:prstGeom prst="straightConnector1">
               <a:avLst/>
             </a:prstGeom>
-            <a:ln w="38100">
+            <a:ln w="57150">
+              <a:solidFill>
+                <a:schemeClr val="tx1">
+                  <a:lumMod val="95000"/>
+                </a:schemeClr>
+              </a:solidFill>
               <a:headEnd type="none" w="sm" len="sm"/>
               <a:tailEnd type="stealth" w="lg" len="lg"/>
             </a:ln>
@@ -19584,7 +19652,12 @@
             <a:prstGeom prst="straightConnector1">
               <a:avLst/>
             </a:prstGeom>
-            <a:ln w="38100">
+            <a:ln w="57150">
+              <a:solidFill>
+                <a:schemeClr val="tx1">
+                  <a:lumMod val="95000"/>
+                </a:schemeClr>
+              </a:solidFill>
               <a:headEnd type="none" w="sm" len="sm"/>
               <a:tailEnd type="stealth" w="lg" len="lg"/>
             </a:ln>
@@ -19627,6 +19700,9 @@
                     <p:cTn id="3" fill="hold">
                       <p:stCondLst>
                         <p:cond delay="indefinite"/>
+                        <p:cond evt="onBegin" delay="0">
+                          <p:tn val="2"/>
+                        </p:cond>
                       </p:stCondLst>
                       <p:childTnLst>
                         <p:par>
@@ -19636,7 +19712,7 @@
                             </p:stCondLst>
                             <p:childTnLst>
                               <p:par>
-                                <p:cTn id="5" presetID="22" presetClass="entr" presetSubtype="8" fill="hold" nodeType="clickEffect">
+                                <p:cTn id="5" presetID="22" presetClass="entr" presetSubtype="8" fill="hold" nodeType="withEffect">
                                   <p:stCondLst>
                                     <p:cond delay="0"/>
                                   </p:stCondLst>
